--- a/Fluxograma_SM.pptx
+++ b/Fluxograma_SM.pptx
@@ -113,6 +113,474 @@
 </p:presentation>
 </file>
 
+<file path=ppt/revisionInfo.xml><?xml version="1.0" encoding="utf-8"?>
+<p1510:revInfo xmlns:a="http://schemas.openxmlformats.org/drawingml/2006/main" xmlns:r="http://schemas.openxmlformats.org/officeDocument/2006/relationships" xmlns:p1510="http://schemas.microsoft.com/office/powerpoint/2015/10/main">
+  <p1510:revLst>
+    <p1510:client id="{BEF4FA85-9D4A-47CB-8B12-80F1B2336B4C}" v="59" dt="2019-10-07T18:45:55.036"/>
+  </p1510:revLst>
+</p1510:revInfo>
+</file>
+
+<file path=ppt/changesInfos/changesInfo1.xml><?xml version="1.0" encoding="utf-8"?>
+<pc:chgInfo xmlns:a="http://schemas.openxmlformats.org/drawingml/2006/main" xmlns:r="http://schemas.openxmlformats.org/officeDocument/2006/relationships" xmlns:ac="http://schemas.microsoft.com/office/drawing/2013/main/command" xmlns:pc="http://schemas.microsoft.com/office/powerpoint/2013/main/command">
+  <pc:docChgLst>
+    <pc:chgData name="Luis Silva (1101420)" userId="527bbbaa-72ac-4bde-af88-209b34eff320" providerId="ADAL" clId="{BEF4FA85-9D4A-47CB-8B12-80F1B2336B4C}"/>
+    <pc:docChg chg="undo custSel modSld">
+      <pc:chgData name="Luis Silva (1101420)" userId="527bbbaa-72ac-4bde-af88-209b34eff320" providerId="ADAL" clId="{BEF4FA85-9D4A-47CB-8B12-80F1B2336B4C}" dt="2019-10-07T18:45:55.035" v="323" actId="164"/>
+      <pc:docMkLst>
+        <pc:docMk/>
+      </pc:docMkLst>
+      <pc:sldChg chg="addSp delSp modSp">
+        <pc:chgData name="Luis Silva (1101420)" userId="527bbbaa-72ac-4bde-af88-209b34eff320" providerId="ADAL" clId="{BEF4FA85-9D4A-47CB-8B12-80F1B2336B4C}" dt="2019-10-07T18:34:25.332" v="238" actId="165"/>
+        <pc:sldMkLst>
+          <pc:docMk/>
+          <pc:sldMk cId="3333416753" sldId="256"/>
+        </pc:sldMkLst>
+        <pc:spChg chg="mod">
+          <ac:chgData name="Luis Silva (1101420)" userId="527bbbaa-72ac-4bde-af88-209b34eff320" providerId="ADAL" clId="{BEF4FA85-9D4A-47CB-8B12-80F1B2336B4C}" dt="2019-10-07T18:11:39.159" v="118" actId="404"/>
+          <ac:spMkLst>
+            <pc:docMk/>
+            <pc:sldMk cId="3333416753" sldId="256"/>
+            <ac:spMk id="3" creationId="{6C89B060-40CC-44AB-8819-C3F1CF9BE4E0}"/>
+          </ac:spMkLst>
+        </pc:spChg>
+        <pc:spChg chg="mod topLvl">
+          <ac:chgData name="Luis Silva (1101420)" userId="527bbbaa-72ac-4bde-af88-209b34eff320" providerId="ADAL" clId="{BEF4FA85-9D4A-47CB-8B12-80F1B2336B4C}" dt="2019-10-07T18:34:25.332" v="238" actId="165"/>
+          <ac:spMkLst>
+            <pc:docMk/>
+            <pc:sldMk cId="3333416753" sldId="256"/>
+            <ac:spMk id="4" creationId="{E9B63ADB-B629-4AE5-808E-397D905C039B}"/>
+          </ac:spMkLst>
+        </pc:spChg>
+        <pc:spChg chg="mod topLvl">
+          <ac:chgData name="Luis Silva (1101420)" userId="527bbbaa-72ac-4bde-af88-209b34eff320" providerId="ADAL" clId="{BEF4FA85-9D4A-47CB-8B12-80F1B2336B4C}" dt="2019-10-07T18:34:25.332" v="238" actId="165"/>
+          <ac:spMkLst>
+            <pc:docMk/>
+            <pc:sldMk cId="3333416753" sldId="256"/>
+            <ac:spMk id="5" creationId="{B037CCA5-3F87-4A09-A4C5-4408C7F2909A}"/>
+          </ac:spMkLst>
+        </pc:spChg>
+        <pc:spChg chg="mod topLvl">
+          <ac:chgData name="Luis Silva (1101420)" userId="527bbbaa-72ac-4bde-af88-209b34eff320" providerId="ADAL" clId="{BEF4FA85-9D4A-47CB-8B12-80F1B2336B4C}" dt="2019-10-07T18:34:25.332" v="238" actId="165"/>
+          <ac:spMkLst>
+            <pc:docMk/>
+            <pc:sldMk cId="3333416753" sldId="256"/>
+            <ac:spMk id="6" creationId="{1A6C39C0-EB67-459F-9052-6DB6777DF8AD}"/>
+          </ac:spMkLst>
+        </pc:spChg>
+        <pc:spChg chg="mod">
+          <ac:chgData name="Luis Silva (1101420)" userId="527bbbaa-72ac-4bde-af88-209b34eff320" providerId="ADAL" clId="{BEF4FA85-9D4A-47CB-8B12-80F1B2336B4C}" dt="2019-10-07T18:12:00.463" v="120" actId="164"/>
+          <ac:spMkLst>
+            <pc:docMk/>
+            <pc:sldMk cId="3333416753" sldId="256"/>
+            <ac:spMk id="7" creationId="{2334A2FB-2BFD-4949-99E8-AE2FDC86946B}"/>
+          </ac:spMkLst>
+        </pc:spChg>
+        <pc:spChg chg="del mod">
+          <ac:chgData name="Luis Silva (1101420)" userId="527bbbaa-72ac-4bde-af88-209b34eff320" providerId="ADAL" clId="{BEF4FA85-9D4A-47CB-8B12-80F1B2336B4C}" dt="2019-10-07T18:11:11.747" v="103" actId="478"/>
+          <ac:spMkLst>
+            <pc:docMk/>
+            <pc:sldMk cId="3333416753" sldId="256"/>
+            <ac:spMk id="8" creationId="{30DC37A5-0729-4B7F-A55F-B712738C48D3}"/>
+          </ac:spMkLst>
+        </pc:spChg>
+        <pc:spChg chg="add mod">
+          <ac:chgData name="Luis Silva (1101420)" userId="527bbbaa-72ac-4bde-af88-209b34eff320" providerId="ADAL" clId="{BEF4FA85-9D4A-47CB-8B12-80F1B2336B4C}" dt="2019-10-07T18:29:40.409" v="202" actId="20577"/>
+          <ac:spMkLst>
+            <pc:docMk/>
+            <pc:sldMk cId="3333416753" sldId="256"/>
+            <ac:spMk id="35" creationId="{A880A44A-17C0-4BCA-8E90-B5557F16743E}"/>
+          </ac:spMkLst>
+        </pc:spChg>
+        <pc:spChg chg="add mod">
+          <ac:chgData name="Luis Silva (1101420)" userId="527bbbaa-72ac-4bde-af88-209b34eff320" providerId="ADAL" clId="{BEF4FA85-9D4A-47CB-8B12-80F1B2336B4C}" dt="2019-10-07T18:12:00.463" v="120" actId="164"/>
+          <ac:spMkLst>
+            <pc:docMk/>
+            <pc:sldMk cId="3333416753" sldId="256"/>
+            <ac:spMk id="37" creationId="{E2E0D51C-E917-40E0-8DB6-6B79B219A5F4}"/>
+          </ac:spMkLst>
+        </pc:spChg>
+        <pc:grpChg chg="add del mod">
+          <ac:chgData name="Luis Silva (1101420)" userId="527bbbaa-72ac-4bde-af88-209b34eff320" providerId="ADAL" clId="{BEF4FA85-9D4A-47CB-8B12-80F1B2336B4C}" dt="2019-10-07T18:34:25.332" v="238" actId="165"/>
+          <ac:grpSpMkLst>
+            <pc:docMk/>
+            <pc:sldMk cId="3333416753" sldId="256"/>
+            <ac:grpSpMk id="39" creationId="{49B71CD2-3544-43D8-A7F7-FB7C49D4E788}"/>
+          </ac:grpSpMkLst>
+        </pc:grpChg>
+        <pc:grpChg chg="add mod">
+          <ac:chgData name="Luis Silva (1101420)" userId="527bbbaa-72ac-4bde-af88-209b34eff320" providerId="ADAL" clId="{BEF4FA85-9D4A-47CB-8B12-80F1B2336B4C}" dt="2019-10-07T18:12:02.900" v="121" actId="1076"/>
+          <ac:grpSpMkLst>
+            <pc:docMk/>
+            <pc:sldMk cId="3333416753" sldId="256"/>
+            <ac:grpSpMk id="40" creationId="{ADB1273D-72B7-4B32-A67A-E2A8CADCAE6D}"/>
+          </ac:grpSpMkLst>
+        </pc:grpChg>
+        <pc:cxnChg chg="mod topLvl">
+          <ac:chgData name="Luis Silva (1101420)" userId="527bbbaa-72ac-4bde-af88-209b34eff320" providerId="ADAL" clId="{BEF4FA85-9D4A-47CB-8B12-80F1B2336B4C}" dt="2019-10-07T18:34:25.332" v="238" actId="165"/>
+          <ac:cxnSpMkLst>
+            <pc:docMk/>
+            <pc:sldMk cId="3333416753" sldId="256"/>
+            <ac:cxnSpMk id="10" creationId="{66B52714-1FC7-4BFE-9756-960538BDF87B}"/>
+          </ac:cxnSpMkLst>
+        </pc:cxnChg>
+        <pc:cxnChg chg="del">
+          <ac:chgData name="Luis Silva (1101420)" userId="527bbbaa-72ac-4bde-af88-209b34eff320" providerId="ADAL" clId="{BEF4FA85-9D4A-47CB-8B12-80F1B2336B4C}" dt="2019-10-07T18:05:43.295" v="34" actId="478"/>
+          <ac:cxnSpMkLst>
+            <pc:docMk/>
+            <pc:sldMk cId="3333416753" sldId="256"/>
+            <ac:cxnSpMk id="12" creationId="{8FE6FE3B-7ED7-4514-90FF-C2A5D625FB2E}"/>
+          </ac:cxnSpMkLst>
+        </pc:cxnChg>
+        <pc:cxnChg chg="del">
+          <ac:chgData name="Luis Silva (1101420)" userId="527bbbaa-72ac-4bde-af88-209b34eff320" providerId="ADAL" clId="{BEF4FA85-9D4A-47CB-8B12-80F1B2336B4C}" dt="2019-10-07T18:05:47.485" v="35" actId="478"/>
+          <ac:cxnSpMkLst>
+            <pc:docMk/>
+            <pc:sldMk cId="3333416753" sldId="256"/>
+            <ac:cxnSpMk id="13" creationId="{AB097B93-FB61-457F-92AC-DD77497EB2DE}"/>
+          </ac:cxnSpMkLst>
+        </pc:cxnChg>
+        <pc:cxnChg chg="del mod">
+          <ac:chgData name="Luis Silva (1101420)" userId="527bbbaa-72ac-4bde-af88-209b34eff320" providerId="ADAL" clId="{BEF4FA85-9D4A-47CB-8B12-80F1B2336B4C}" dt="2019-10-07T18:05:41.705" v="33" actId="478"/>
+          <ac:cxnSpMkLst>
+            <pc:docMk/>
+            <pc:sldMk cId="3333416753" sldId="256"/>
+            <ac:cxnSpMk id="14" creationId="{447DC311-5B89-4A6C-BC73-B1CB82AC26F0}"/>
+          </ac:cxnSpMkLst>
+        </pc:cxnChg>
+        <pc:cxnChg chg="add mod topLvl">
+          <ac:chgData name="Luis Silva (1101420)" userId="527bbbaa-72ac-4bde-af88-209b34eff320" providerId="ADAL" clId="{BEF4FA85-9D4A-47CB-8B12-80F1B2336B4C}" dt="2019-10-07T18:34:25.332" v="238" actId="165"/>
+          <ac:cxnSpMkLst>
+            <pc:docMk/>
+            <pc:sldMk cId="3333416753" sldId="256"/>
+            <ac:cxnSpMk id="23" creationId="{E9C238ED-BA2F-43A9-94B8-7A9E569765F1}"/>
+          </ac:cxnSpMkLst>
+        </pc:cxnChg>
+        <pc:cxnChg chg="add del mod">
+          <ac:chgData name="Luis Silva (1101420)" userId="527bbbaa-72ac-4bde-af88-209b34eff320" providerId="ADAL" clId="{BEF4FA85-9D4A-47CB-8B12-80F1B2336B4C}" dt="2019-10-07T18:07:50.470" v="60" actId="478"/>
+          <ac:cxnSpMkLst>
+            <pc:docMk/>
+            <pc:sldMk cId="3333416753" sldId="256"/>
+            <ac:cxnSpMk id="25" creationId="{AE3F89D2-CB7E-451C-B937-D609732073C4}"/>
+          </ac:cxnSpMkLst>
+        </pc:cxnChg>
+        <pc:cxnChg chg="add mod topLvl">
+          <ac:chgData name="Luis Silva (1101420)" userId="527bbbaa-72ac-4bde-af88-209b34eff320" providerId="ADAL" clId="{BEF4FA85-9D4A-47CB-8B12-80F1B2336B4C}" dt="2019-10-07T18:34:25.332" v="238" actId="165"/>
+          <ac:cxnSpMkLst>
+            <pc:docMk/>
+            <pc:sldMk cId="3333416753" sldId="256"/>
+            <ac:cxnSpMk id="28" creationId="{71EFEC52-3F42-407E-B85B-E167E821F250}"/>
+          </ac:cxnSpMkLst>
+        </pc:cxnChg>
+        <pc:cxnChg chg="add mod">
+          <ac:chgData name="Luis Silva (1101420)" userId="527bbbaa-72ac-4bde-af88-209b34eff320" providerId="ADAL" clId="{BEF4FA85-9D4A-47CB-8B12-80F1B2336B4C}" dt="2019-10-07T18:12:00.463" v="120" actId="164"/>
+          <ac:cxnSpMkLst>
+            <pc:docMk/>
+            <pc:sldMk cId="3333416753" sldId="256"/>
+            <ac:cxnSpMk id="36" creationId="{8DE69C05-5345-4DE8-AF33-AC675F696902}"/>
+          </ac:cxnSpMkLst>
+        </pc:cxnChg>
+        <pc:cxnChg chg="add mod">
+          <ac:chgData name="Luis Silva (1101420)" userId="527bbbaa-72ac-4bde-af88-209b34eff320" providerId="ADAL" clId="{BEF4FA85-9D4A-47CB-8B12-80F1B2336B4C}" dt="2019-10-07T18:12:00.463" v="120" actId="164"/>
+          <ac:cxnSpMkLst>
+            <pc:docMk/>
+            <pc:sldMk cId="3333416753" sldId="256"/>
+            <ac:cxnSpMk id="38" creationId="{8859F503-51A9-469A-A22B-3A47BE700C8E}"/>
+          </ac:cxnSpMkLst>
+        </pc:cxnChg>
+      </pc:sldChg>
+      <pc:sldChg chg="addSp delSp modSp">
+        <pc:chgData name="Luis Silva (1101420)" userId="527bbbaa-72ac-4bde-af88-209b34eff320" providerId="ADAL" clId="{BEF4FA85-9D4A-47CB-8B12-80F1B2336B4C}" dt="2019-10-07T18:45:55.035" v="323" actId="164"/>
+        <pc:sldMkLst>
+          <pc:docMk/>
+          <pc:sldMk cId="498099381" sldId="257"/>
+        </pc:sldMkLst>
+        <pc:spChg chg="mod">
+          <ac:chgData name="Luis Silva (1101420)" userId="527bbbaa-72ac-4bde-af88-209b34eff320" providerId="ADAL" clId="{BEF4FA85-9D4A-47CB-8B12-80F1B2336B4C}" dt="2019-10-07T18:41:48.184" v="317" actId="1076"/>
+          <ac:spMkLst>
+            <pc:docMk/>
+            <pc:sldMk cId="498099381" sldId="257"/>
+            <ac:spMk id="5" creationId="{96DB14DB-792C-4AD8-A724-D41855F29F02}"/>
+          </ac:spMkLst>
+        </pc:spChg>
+        <pc:spChg chg="mod topLvl">
+          <ac:chgData name="Luis Silva (1101420)" userId="527bbbaa-72ac-4bde-af88-209b34eff320" providerId="ADAL" clId="{BEF4FA85-9D4A-47CB-8B12-80F1B2336B4C}" dt="2019-10-07T18:45:55.035" v="323" actId="164"/>
+          <ac:spMkLst>
+            <pc:docMk/>
+            <pc:sldMk cId="498099381" sldId="257"/>
+            <ac:spMk id="6" creationId="{62417632-C3B7-4686-99FD-CDC96086FDF9}"/>
+          </ac:spMkLst>
+        </pc:spChg>
+        <pc:spChg chg="mod topLvl">
+          <ac:chgData name="Luis Silva (1101420)" userId="527bbbaa-72ac-4bde-af88-209b34eff320" providerId="ADAL" clId="{BEF4FA85-9D4A-47CB-8B12-80F1B2336B4C}" dt="2019-10-07T18:45:55.035" v="323" actId="164"/>
+          <ac:spMkLst>
+            <pc:docMk/>
+            <pc:sldMk cId="498099381" sldId="257"/>
+            <ac:spMk id="7" creationId="{349847E4-6E33-4199-B731-8FFF36276102}"/>
+          </ac:spMkLst>
+        </pc:spChg>
+        <pc:spChg chg="del mod">
+          <ac:chgData name="Luis Silva (1101420)" userId="527bbbaa-72ac-4bde-af88-209b34eff320" providerId="ADAL" clId="{BEF4FA85-9D4A-47CB-8B12-80F1B2336B4C}" dt="2019-10-07T18:34:19.742" v="236" actId="478"/>
+          <ac:spMkLst>
+            <pc:docMk/>
+            <pc:sldMk cId="498099381" sldId="257"/>
+            <ac:spMk id="8" creationId="{B26EB8B2-0E65-46F1-BC71-3D9E1FFD50CC}"/>
+          </ac:spMkLst>
+        </pc:spChg>
+        <pc:spChg chg="mod topLvl">
+          <ac:chgData name="Luis Silva (1101420)" userId="527bbbaa-72ac-4bde-af88-209b34eff320" providerId="ADAL" clId="{BEF4FA85-9D4A-47CB-8B12-80F1B2336B4C}" dt="2019-10-07T18:40:52.381" v="314" actId="164"/>
+          <ac:spMkLst>
+            <pc:docMk/>
+            <pc:sldMk cId="498099381" sldId="257"/>
+            <ac:spMk id="9" creationId="{221A0517-AAFE-4C16-B621-55F29552BF37}"/>
+          </ac:spMkLst>
+        </pc:spChg>
+        <pc:spChg chg="del mod">
+          <ac:chgData name="Luis Silva (1101420)" userId="527bbbaa-72ac-4bde-af88-209b34eff320" providerId="ADAL" clId="{BEF4FA85-9D4A-47CB-8B12-80F1B2336B4C}" dt="2019-10-07T18:22:58.533" v="130" actId="478"/>
+          <ac:spMkLst>
+            <pc:docMk/>
+            <pc:sldMk cId="498099381" sldId="257"/>
+            <ac:spMk id="10" creationId="{B1DCF0ED-D7CD-4A98-8768-FB755CEDC04A}"/>
+          </ac:spMkLst>
+        </pc:spChg>
+        <pc:spChg chg="mod topLvl">
+          <ac:chgData name="Luis Silva (1101420)" userId="527bbbaa-72ac-4bde-af88-209b34eff320" providerId="ADAL" clId="{BEF4FA85-9D4A-47CB-8B12-80F1B2336B4C}" dt="2019-10-07T18:40:52.381" v="314" actId="164"/>
+          <ac:spMkLst>
+            <pc:docMk/>
+            <pc:sldMk cId="498099381" sldId="257"/>
+            <ac:spMk id="11" creationId="{675E53A2-7C35-4A6F-98A7-4FABCC607333}"/>
+          </ac:spMkLst>
+        </pc:spChg>
+        <pc:spChg chg="mod topLvl">
+          <ac:chgData name="Luis Silva (1101420)" userId="527bbbaa-72ac-4bde-af88-209b34eff320" providerId="ADAL" clId="{BEF4FA85-9D4A-47CB-8B12-80F1B2336B4C}" dt="2019-10-07T18:40:48.025" v="313" actId="164"/>
+          <ac:spMkLst>
+            <pc:docMk/>
+            <pc:sldMk cId="498099381" sldId="257"/>
+            <ac:spMk id="12" creationId="{0711B195-13F3-4E54-B1E9-2D6209EA9EC4}"/>
+          </ac:spMkLst>
+        </pc:spChg>
+        <pc:spChg chg="mod topLvl">
+          <ac:chgData name="Luis Silva (1101420)" userId="527bbbaa-72ac-4bde-af88-209b34eff320" providerId="ADAL" clId="{BEF4FA85-9D4A-47CB-8B12-80F1B2336B4C}" dt="2019-10-07T18:37:09.029" v="264" actId="164"/>
+          <ac:spMkLst>
+            <pc:docMk/>
+            <pc:sldMk cId="498099381" sldId="257"/>
+            <ac:spMk id="20" creationId="{44637119-87B6-4373-947C-7D2006E243EA}"/>
+          </ac:spMkLst>
+        </pc:spChg>
+        <pc:spChg chg="mod topLvl">
+          <ac:chgData name="Luis Silva (1101420)" userId="527bbbaa-72ac-4bde-af88-209b34eff320" providerId="ADAL" clId="{BEF4FA85-9D4A-47CB-8B12-80F1B2336B4C}" dt="2019-10-07T18:37:09.029" v="264" actId="164"/>
+          <ac:spMkLst>
+            <pc:docMk/>
+            <pc:sldMk cId="498099381" sldId="257"/>
+            <ac:spMk id="21" creationId="{5E7E8F95-F96D-498C-B9C9-17018C4DF4C4}"/>
+          </ac:spMkLst>
+        </pc:spChg>
+        <pc:spChg chg="mod topLvl">
+          <ac:chgData name="Luis Silva (1101420)" userId="527bbbaa-72ac-4bde-af88-209b34eff320" providerId="ADAL" clId="{BEF4FA85-9D4A-47CB-8B12-80F1B2336B4C}" dt="2019-10-07T18:37:09.029" v="264" actId="164"/>
+          <ac:spMkLst>
+            <pc:docMk/>
+            <pc:sldMk cId="498099381" sldId="257"/>
+            <ac:spMk id="23" creationId="{31492CCE-40AB-464B-BB0D-4CA0819E1120}"/>
+          </ac:spMkLst>
+        </pc:spChg>
+        <pc:spChg chg="add mod topLvl">
+          <ac:chgData name="Luis Silva (1101420)" userId="527bbbaa-72ac-4bde-af88-209b34eff320" providerId="ADAL" clId="{BEF4FA85-9D4A-47CB-8B12-80F1B2336B4C}" dt="2019-10-07T18:45:55.035" v="323" actId="164"/>
+          <ac:spMkLst>
+            <pc:docMk/>
+            <pc:sldMk cId="498099381" sldId="257"/>
+            <ac:spMk id="26" creationId="{EDF80D3F-A0C2-4007-89C4-15438B28D29A}"/>
+          </ac:spMkLst>
+        </pc:spChg>
+        <pc:spChg chg="add mod topLvl">
+          <ac:chgData name="Luis Silva (1101420)" userId="527bbbaa-72ac-4bde-af88-209b34eff320" providerId="ADAL" clId="{BEF4FA85-9D4A-47CB-8B12-80F1B2336B4C}" dt="2019-10-07T18:40:48.025" v="313" actId="164"/>
+          <ac:spMkLst>
+            <pc:docMk/>
+            <pc:sldMk cId="498099381" sldId="257"/>
+            <ac:spMk id="30" creationId="{CD442386-DD03-4EFB-8A63-E84C5F8CF418}"/>
+          </ac:spMkLst>
+        </pc:spChg>
+        <pc:spChg chg="add mod">
+          <ac:chgData name="Luis Silva (1101420)" userId="527bbbaa-72ac-4bde-af88-209b34eff320" providerId="ADAL" clId="{BEF4FA85-9D4A-47CB-8B12-80F1B2336B4C}" dt="2019-10-07T18:40:52.381" v="314" actId="164"/>
+          <ac:spMkLst>
+            <pc:docMk/>
+            <pc:sldMk cId="498099381" sldId="257"/>
+            <ac:spMk id="36" creationId="{5349D627-A27B-4B5A-B087-928474D8EBC2}"/>
+          </ac:spMkLst>
+        </pc:spChg>
+        <pc:spChg chg="add mod">
+          <ac:chgData name="Luis Silva (1101420)" userId="527bbbaa-72ac-4bde-af88-209b34eff320" providerId="ADAL" clId="{BEF4FA85-9D4A-47CB-8B12-80F1B2336B4C}" dt="2019-10-07T18:40:48.025" v="313" actId="164"/>
+          <ac:spMkLst>
+            <pc:docMk/>
+            <pc:sldMk cId="498099381" sldId="257"/>
+            <ac:spMk id="39" creationId="{03938525-3596-440B-8A76-4E0BAEF650C7}"/>
+          </ac:spMkLst>
+        </pc:spChg>
+        <pc:grpChg chg="add del mod">
+          <ac:chgData name="Luis Silva (1101420)" userId="527bbbaa-72ac-4bde-af88-209b34eff320" providerId="ADAL" clId="{BEF4FA85-9D4A-47CB-8B12-80F1B2336B4C}" dt="2019-10-07T18:36:01.710" v="256" actId="165"/>
+          <ac:grpSpMkLst>
+            <pc:docMk/>
+            <pc:sldMk cId="498099381" sldId="257"/>
+            <ac:grpSpMk id="18" creationId="{BFF9EDCC-85BE-465B-9616-7196F9C57D2A}"/>
+          </ac:grpSpMkLst>
+        </pc:grpChg>
+        <pc:grpChg chg="add mod">
+          <ac:chgData name="Luis Silva (1101420)" userId="527bbbaa-72ac-4bde-af88-209b34eff320" providerId="ADAL" clId="{BEF4FA85-9D4A-47CB-8B12-80F1B2336B4C}" dt="2019-10-07T18:37:09.029" v="264" actId="164"/>
+          <ac:grpSpMkLst>
+            <pc:docMk/>
+            <pc:sldMk cId="498099381" sldId="257"/>
+            <ac:grpSpMk id="33" creationId="{E5D00555-795D-4C4C-9469-BF25D87CFFAA}"/>
+          </ac:grpSpMkLst>
+        </pc:grpChg>
+        <pc:grpChg chg="add del mod">
+          <ac:chgData name="Luis Silva (1101420)" userId="527bbbaa-72ac-4bde-af88-209b34eff320" providerId="ADAL" clId="{BEF4FA85-9D4A-47CB-8B12-80F1B2336B4C}" dt="2019-10-07T18:39:22.229" v="272" actId="165"/>
+          <ac:grpSpMkLst>
+            <pc:docMk/>
+            <pc:sldMk cId="498099381" sldId="257"/>
+            <ac:grpSpMk id="34" creationId="{AEE60667-3542-4772-8124-AD261B5786AA}"/>
+          </ac:grpSpMkLst>
+        </pc:grpChg>
+        <pc:grpChg chg="add del mod">
+          <ac:chgData name="Luis Silva (1101420)" userId="527bbbaa-72ac-4bde-af88-209b34eff320" providerId="ADAL" clId="{BEF4FA85-9D4A-47CB-8B12-80F1B2336B4C}" dt="2019-10-07T18:45:02.342" v="319" actId="165"/>
+          <ac:grpSpMkLst>
+            <pc:docMk/>
+            <pc:sldMk cId="498099381" sldId="257"/>
+            <ac:grpSpMk id="35" creationId="{B9A18EA9-6280-400B-AA08-2994BBA173D2}"/>
+          </ac:grpSpMkLst>
+        </pc:grpChg>
+        <pc:grpChg chg="add mod">
+          <ac:chgData name="Luis Silva (1101420)" userId="527bbbaa-72ac-4bde-af88-209b34eff320" providerId="ADAL" clId="{BEF4FA85-9D4A-47CB-8B12-80F1B2336B4C}" dt="2019-10-07T18:40:56.400" v="316" actId="1076"/>
+          <ac:grpSpMkLst>
+            <pc:docMk/>
+            <pc:sldMk cId="498099381" sldId="257"/>
+            <ac:grpSpMk id="41" creationId="{0C1564F0-764D-474B-93C5-219099F0F60A}"/>
+          </ac:grpSpMkLst>
+        </pc:grpChg>
+        <pc:grpChg chg="add mod">
+          <ac:chgData name="Luis Silva (1101420)" userId="527bbbaa-72ac-4bde-af88-209b34eff320" providerId="ADAL" clId="{BEF4FA85-9D4A-47CB-8B12-80F1B2336B4C}" dt="2019-10-07T18:40:54.264" v="315" actId="1076"/>
+          <ac:grpSpMkLst>
+            <pc:docMk/>
+            <pc:sldMk cId="498099381" sldId="257"/>
+            <ac:grpSpMk id="42" creationId="{EB51AF60-540E-4266-8A5F-660DF43AF02C}"/>
+          </ac:grpSpMkLst>
+        </pc:grpChg>
+        <pc:grpChg chg="add mod">
+          <ac:chgData name="Luis Silva (1101420)" userId="527bbbaa-72ac-4bde-af88-209b34eff320" providerId="ADAL" clId="{BEF4FA85-9D4A-47CB-8B12-80F1B2336B4C}" dt="2019-10-07T18:45:55.035" v="323" actId="164"/>
+          <ac:grpSpMkLst>
+            <pc:docMk/>
+            <pc:sldMk cId="498099381" sldId="257"/>
+            <ac:grpSpMk id="43" creationId="{BD2FE34A-F248-42CE-B937-3BB83C5421B8}"/>
+          </ac:grpSpMkLst>
+        </pc:grpChg>
+        <pc:cxnChg chg="del mod">
+          <ac:chgData name="Luis Silva (1101420)" userId="527bbbaa-72ac-4bde-af88-209b34eff320" providerId="ADAL" clId="{BEF4FA85-9D4A-47CB-8B12-80F1B2336B4C}" dt="2019-10-07T18:34:20.549" v="237" actId="478"/>
+          <ac:cxnSpMkLst>
+            <pc:docMk/>
+            <pc:sldMk cId="498099381" sldId="257"/>
+            <ac:cxnSpMk id="13" creationId="{3C0B69CA-1697-4F00-A5F3-81ACF3D354BB}"/>
+          </ac:cxnSpMkLst>
+        </pc:cxnChg>
+        <pc:cxnChg chg="mod topLvl">
+          <ac:chgData name="Luis Silva (1101420)" userId="527bbbaa-72ac-4bde-af88-209b34eff320" providerId="ADAL" clId="{BEF4FA85-9D4A-47CB-8B12-80F1B2336B4C}" dt="2019-10-07T18:45:55.035" v="323" actId="164"/>
+          <ac:cxnSpMkLst>
+            <pc:docMk/>
+            <pc:sldMk cId="498099381" sldId="257"/>
+            <ac:cxnSpMk id="14" creationId="{2B4AA535-D71C-4C2F-9CFF-66A777BD75A3}"/>
+          </ac:cxnSpMkLst>
+        </pc:cxnChg>
+        <pc:cxnChg chg="del mod">
+          <ac:chgData name="Luis Silva (1101420)" userId="527bbbaa-72ac-4bde-af88-209b34eff320" providerId="ADAL" clId="{BEF4FA85-9D4A-47CB-8B12-80F1B2336B4C}" dt="2019-10-07T18:17:20.658" v="122" actId="478"/>
+          <ac:cxnSpMkLst>
+            <pc:docMk/>
+            <pc:sldMk cId="498099381" sldId="257"/>
+            <ac:cxnSpMk id="15" creationId="{4280C721-F1B8-4DBF-A911-650EB7021EFB}"/>
+          </ac:cxnSpMkLst>
+        </pc:cxnChg>
+        <pc:cxnChg chg="del mod">
+          <ac:chgData name="Luis Silva (1101420)" userId="527bbbaa-72ac-4bde-af88-209b34eff320" providerId="ADAL" clId="{BEF4FA85-9D4A-47CB-8B12-80F1B2336B4C}" dt="2019-10-07T18:23:00.065" v="131" actId="478"/>
+          <ac:cxnSpMkLst>
+            <pc:docMk/>
+            <pc:sldMk cId="498099381" sldId="257"/>
+            <ac:cxnSpMk id="16" creationId="{D2F3C1EF-E77A-4242-833F-F371DF8EB9D0}"/>
+          </ac:cxnSpMkLst>
+        </pc:cxnChg>
+        <pc:cxnChg chg="mod topLvl">
+          <ac:chgData name="Luis Silva (1101420)" userId="527bbbaa-72ac-4bde-af88-209b34eff320" providerId="ADAL" clId="{BEF4FA85-9D4A-47CB-8B12-80F1B2336B4C}" dt="2019-10-07T18:40:52.381" v="314" actId="164"/>
+          <ac:cxnSpMkLst>
+            <pc:docMk/>
+            <pc:sldMk cId="498099381" sldId="257"/>
+            <ac:cxnSpMk id="17" creationId="{88642628-1AEC-4DA0-89EB-61E460FA0541}"/>
+          </ac:cxnSpMkLst>
+        </pc:cxnChg>
+        <pc:cxnChg chg="del mod topLvl">
+          <ac:chgData name="Luis Silva (1101420)" userId="527bbbaa-72ac-4bde-af88-209b34eff320" providerId="ADAL" clId="{BEF4FA85-9D4A-47CB-8B12-80F1B2336B4C}" dt="2019-10-07T18:39:25.700" v="273" actId="478"/>
+          <ac:cxnSpMkLst>
+            <pc:docMk/>
+            <pc:sldMk cId="498099381" sldId="257"/>
+            <ac:cxnSpMk id="19" creationId="{C81C3086-29E1-43A6-93EC-BEDDAAD53EDF}"/>
+          </ac:cxnSpMkLst>
+        </pc:cxnChg>
+        <pc:cxnChg chg="mod topLvl">
+          <ac:chgData name="Luis Silva (1101420)" userId="527bbbaa-72ac-4bde-af88-209b34eff320" providerId="ADAL" clId="{BEF4FA85-9D4A-47CB-8B12-80F1B2336B4C}" dt="2019-10-07T18:37:09.029" v="264" actId="164"/>
+          <ac:cxnSpMkLst>
+            <pc:docMk/>
+            <pc:sldMk cId="498099381" sldId="257"/>
+            <ac:cxnSpMk id="22" creationId="{1BC77F09-5107-4430-ABFD-A8E24A58E415}"/>
+          </ac:cxnSpMkLst>
+        </pc:cxnChg>
+        <pc:cxnChg chg="mod topLvl">
+          <ac:chgData name="Luis Silva (1101420)" userId="527bbbaa-72ac-4bde-af88-209b34eff320" providerId="ADAL" clId="{BEF4FA85-9D4A-47CB-8B12-80F1B2336B4C}" dt="2019-10-07T18:37:09.029" v="264" actId="164"/>
+          <ac:cxnSpMkLst>
+            <pc:docMk/>
+            <pc:sldMk cId="498099381" sldId="257"/>
+            <ac:cxnSpMk id="24" creationId="{ACA6594D-2F06-4049-BA13-5F0CE8D0227B}"/>
+          </ac:cxnSpMkLst>
+        </pc:cxnChg>
+        <pc:cxnChg chg="add mod topLvl">
+          <ac:chgData name="Luis Silva (1101420)" userId="527bbbaa-72ac-4bde-af88-209b34eff320" providerId="ADAL" clId="{BEF4FA85-9D4A-47CB-8B12-80F1B2336B4C}" dt="2019-10-07T18:45:55.035" v="323" actId="164"/>
+          <ac:cxnSpMkLst>
+            <pc:docMk/>
+            <pc:sldMk cId="498099381" sldId="257"/>
+            <ac:cxnSpMk id="27" creationId="{35807614-6274-4F97-AF7B-A1F32091A328}"/>
+          </ac:cxnSpMkLst>
+        </pc:cxnChg>
+        <pc:cxnChg chg="add mod topLvl">
+          <ac:chgData name="Luis Silva (1101420)" userId="527bbbaa-72ac-4bde-af88-209b34eff320" providerId="ADAL" clId="{BEF4FA85-9D4A-47CB-8B12-80F1B2336B4C}" dt="2019-10-07T18:45:55.035" v="323" actId="164"/>
+          <ac:cxnSpMkLst>
+            <pc:docMk/>
+            <pc:sldMk cId="498099381" sldId="257"/>
+            <ac:cxnSpMk id="28" creationId="{C19EF9FE-3617-4853-9B1A-92DECFFB70F1}"/>
+          </ac:cxnSpMkLst>
+        </pc:cxnChg>
+        <pc:cxnChg chg="add mod topLvl">
+          <ac:chgData name="Luis Silva (1101420)" userId="527bbbaa-72ac-4bde-af88-209b34eff320" providerId="ADAL" clId="{BEF4FA85-9D4A-47CB-8B12-80F1B2336B4C}" dt="2019-10-07T18:40:48.025" v="313" actId="164"/>
+          <ac:cxnSpMkLst>
+            <pc:docMk/>
+            <pc:sldMk cId="498099381" sldId="257"/>
+            <ac:cxnSpMk id="31" creationId="{79EFF447-18A0-41F5-98CA-89CF6214F6F2}"/>
+          </ac:cxnSpMkLst>
+        </pc:cxnChg>
+        <pc:cxnChg chg="add mod">
+          <ac:chgData name="Luis Silva (1101420)" userId="527bbbaa-72ac-4bde-af88-209b34eff320" providerId="ADAL" clId="{BEF4FA85-9D4A-47CB-8B12-80F1B2336B4C}" dt="2019-10-07T18:40:52.381" v="314" actId="164"/>
+          <ac:cxnSpMkLst>
+            <pc:docMk/>
+            <pc:sldMk cId="498099381" sldId="257"/>
+            <ac:cxnSpMk id="37" creationId="{EB02CF6D-66C9-41A0-B9BB-0E7E0BDD5003}"/>
+          </ac:cxnSpMkLst>
+        </pc:cxnChg>
+        <pc:cxnChg chg="add mod">
+          <ac:chgData name="Luis Silva (1101420)" userId="527bbbaa-72ac-4bde-af88-209b34eff320" providerId="ADAL" clId="{BEF4FA85-9D4A-47CB-8B12-80F1B2336B4C}" dt="2019-10-07T18:40:48.025" v="313" actId="164"/>
+          <ac:cxnSpMkLst>
+            <pc:docMk/>
+            <pc:sldMk cId="498099381" sldId="257"/>
+            <ac:cxnSpMk id="40" creationId="{D8F788D8-A5A6-4231-91C4-6B2536C4910B}"/>
+          </ac:cxnSpMkLst>
+        </pc:cxnChg>
+      </pc:sldChg>
+    </pc:docChg>
+  </pc:docChgLst>
+</pc:chgInfo>
+</file>
+
 <file path=ppt/slideLayouts/slideLayout1.xml><?xml version="1.0" encoding="utf-8"?>
 <p:sldLayout xmlns:a="http://schemas.openxmlformats.org/drawingml/2006/main" xmlns:r="http://schemas.openxmlformats.org/officeDocument/2006/relationships" xmlns:p="http://schemas.openxmlformats.org/presentationml/2006/main" type="title" preserve="1">
   <p:cSld name="Diapositivo de Título">
@@ -260,7 +728,7 @@
           <a:p>
             <a:fld id="{C208B839-9438-4870-A599-8D571B9CDB3B}" type="datetimeFigureOut">
               <a:rPr lang="pt-PT" smtClean="0"/>
-              <a:t>03/10/2019</a:t>
+              <a:t>07/10/2019</a:t>
             </a:fld>
             <a:endParaRPr lang="pt-PT"/>
           </a:p>
@@ -458,7 +926,7 @@
           <a:p>
             <a:fld id="{C208B839-9438-4870-A599-8D571B9CDB3B}" type="datetimeFigureOut">
               <a:rPr lang="pt-PT" smtClean="0"/>
-              <a:t>03/10/2019</a:t>
+              <a:t>07/10/2019</a:t>
             </a:fld>
             <a:endParaRPr lang="pt-PT"/>
           </a:p>
@@ -666,7 +1134,7 @@
           <a:p>
             <a:fld id="{C208B839-9438-4870-A599-8D571B9CDB3B}" type="datetimeFigureOut">
               <a:rPr lang="pt-PT" smtClean="0"/>
-              <a:t>03/10/2019</a:t>
+              <a:t>07/10/2019</a:t>
             </a:fld>
             <a:endParaRPr lang="pt-PT"/>
           </a:p>
@@ -864,7 +1332,7 @@
           <a:p>
             <a:fld id="{C208B839-9438-4870-A599-8D571B9CDB3B}" type="datetimeFigureOut">
               <a:rPr lang="pt-PT" smtClean="0"/>
-              <a:t>03/10/2019</a:t>
+              <a:t>07/10/2019</a:t>
             </a:fld>
             <a:endParaRPr lang="pt-PT"/>
           </a:p>
@@ -1139,7 +1607,7 @@
           <a:p>
             <a:fld id="{C208B839-9438-4870-A599-8D571B9CDB3B}" type="datetimeFigureOut">
               <a:rPr lang="pt-PT" smtClean="0"/>
-              <a:t>03/10/2019</a:t>
+              <a:t>07/10/2019</a:t>
             </a:fld>
             <a:endParaRPr lang="pt-PT"/>
           </a:p>
@@ -1404,7 +1872,7 @@
           <a:p>
             <a:fld id="{C208B839-9438-4870-A599-8D571B9CDB3B}" type="datetimeFigureOut">
               <a:rPr lang="pt-PT" smtClean="0"/>
-              <a:t>03/10/2019</a:t>
+              <a:t>07/10/2019</a:t>
             </a:fld>
             <a:endParaRPr lang="pt-PT"/>
           </a:p>
@@ -1816,7 +2284,7 @@
           <a:p>
             <a:fld id="{C208B839-9438-4870-A599-8D571B9CDB3B}" type="datetimeFigureOut">
               <a:rPr lang="pt-PT" smtClean="0"/>
-              <a:t>03/10/2019</a:t>
+              <a:t>07/10/2019</a:t>
             </a:fld>
             <a:endParaRPr lang="pt-PT"/>
           </a:p>
@@ -1957,7 +2425,7 @@
           <a:p>
             <a:fld id="{C208B839-9438-4870-A599-8D571B9CDB3B}" type="datetimeFigureOut">
               <a:rPr lang="pt-PT" smtClean="0"/>
-              <a:t>03/10/2019</a:t>
+              <a:t>07/10/2019</a:t>
             </a:fld>
             <a:endParaRPr lang="pt-PT"/>
           </a:p>
@@ -2070,7 +2538,7 @@
           <a:p>
             <a:fld id="{C208B839-9438-4870-A599-8D571B9CDB3B}" type="datetimeFigureOut">
               <a:rPr lang="pt-PT" smtClean="0"/>
-              <a:t>03/10/2019</a:t>
+              <a:t>07/10/2019</a:t>
             </a:fld>
             <a:endParaRPr lang="pt-PT"/>
           </a:p>
@@ -2381,7 +2849,7 @@
           <a:p>
             <a:fld id="{C208B839-9438-4870-A599-8D571B9CDB3B}" type="datetimeFigureOut">
               <a:rPr lang="pt-PT" smtClean="0"/>
-              <a:t>03/10/2019</a:t>
+              <a:t>07/10/2019</a:t>
             </a:fld>
             <a:endParaRPr lang="pt-PT"/>
           </a:p>
@@ -2669,7 +3137,7 @@
           <a:p>
             <a:fld id="{C208B839-9438-4870-A599-8D571B9CDB3B}" type="datetimeFigureOut">
               <a:rPr lang="pt-PT" smtClean="0"/>
-              <a:t>03/10/2019</a:t>
+              <a:t>07/10/2019</a:t>
             </a:fld>
             <a:endParaRPr lang="pt-PT"/>
           </a:p>
@@ -2910,7 +3378,7 @@
           <a:p>
             <a:fld id="{C208B839-9438-4870-A599-8D571B9CDB3B}" type="datetimeFigureOut">
               <a:rPr lang="pt-PT" smtClean="0"/>
-              <a:t>03/10/2019</a:t>
+              <a:t>07/10/2019</a:t>
             </a:fld>
             <a:endParaRPr lang="pt-PT"/>
           </a:p>
@@ -3329,10 +3797,10 @@
       </p:grpSpPr>
       <p:sp>
         <p:nvSpPr>
-          <p:cNvPr id="4" name="Retângulo: Cantos Arredondados 3">
-            <a:extLst>
-              <a:ext uri="{FF2B5EF4-FFF2-40B4-BE49-F238E27FC236}">
-                <a16:creationId xmlns:a16="http://schemas.microsoft.com/office/drawing/2014/main" id="{E9B63ADB-B629-4AE5-808E-397D905C039B}"/>
+          <p:cNvPr id="3" name="Oval 2">
+            <a:extLst>
+              <a:ext uri="{FF2B5EF4-FFF2-40B4-BE49-F238E27FC236}">
+                <a16:creationId xmlns:a16="http://schemas.microsoft.com/office/drawing/2014/main" id="{6C89B060-40CC-44AB-8819-C3F1CF9BE4E0}"/>
               </a:ext>
             </a:extLst>
           </p:cNvPr>
@@ -3341,12 +3809,20 @@
         </p:nvSpPr>
         <p:spPr>
           <a:xfrm>
-            <a:off x="4532240" y="39757"/>
-            <a:ext cx="1563757" cy="861392"/>
+            <a:off x="251791" y="172278"/>
+            <a:ext cx="1325218" cy="490331"/>
           </a:xfrm>
-          <a:prstGeom prst="roundRect">
+          <a:prstGeom prst="ellipse">
             <a:avLst/>
           </a:prstGeom>
+          <a:solidFill>
+            <a:schemeClr val="bg1"/>
+          </a:solidFill>
+          <a:ln>
+            <a:solidFill>
+              <a:schemeClr val="tx1"/>
+            </a:solidFill>
+          </a:ln>
         </p:spPr>
         <p:style>
           <a:lnRef idx="2">
@@ -3370,18 +3846,22 @@
           <a:p>
             <a:pPr algn="ctr"/>
             <a:r>
-              <a:rPr lang="pt-PT" dirty="0"/>
-              <a:t>Início</a:t>
-            </a:r>
-          </a:p>
-        </p:txBody>
-      </p:sp>
-      <p:sp>
-        <p:nvSpPr>
-          <p:cNvPr id="5" name="Retângulo: Cantos Arredondados 4">
-            <a:extLst>
-              <a:ext uri="{FF2B5EF4-FFF2-40B4-BE49-F238E27FC236}">
-                <a16:creationId xmlns:a16="http://schemas.microsoft.com/office/drawing/2014/main" id="{B037CCA5-3F87-4A09-A4C5-4408C7F2909A}"/>
+              <a:rPr lang="pt-PT" sz="1200" dirty="0">
+                <a:solidFill>
+                  <a:schemeClr val="tx1"/>
+                </a:solidFill>
+              </a:rPr>
+              <a:t>Blink</a:t>
+            </a:r>
+          </a:p>
+        </p:txBody>
+      </p:sp>
+      <p:sp>
+        <p:nvSpPr>
+          <p:cNvPr id="4" name="Retângulo: Cantos Arredondados 3">
+            <a:extLst>
+              <a:ext uri="{FF2B5EF4-FFF2-40B4-BE49-F238E27FC236}">
+                <a16:creationId xmlns:a16="http://schemas.microsoft.com/office/drawing/2014/main" id="{E9B63ADB-B629-4AE5-808E-397D905C039B}"/>
               </a:ext>
             </a:extLst>
           </p:cNvPr>
@@ -3390,12 +3870,20 @@
         </p:nvSpPr>
         <p:spPr>
           <a:xfrm>
-            <a:off x="1406382" y="1265581"/>
-            <a:ext cx="7815471" cy="2809462"/>
+            <a:off x="2746983" y="417443"/>
+            <a:ext cx="1563757" cy="477079"/>
           </a:xfrm>
           <a:prstGeom prst="roundRect">
             <a:avLst/>
           </a:prstGeom>
+          <a:solidFill>
+            <a:schemeClr val="bg1"/>
+          </a:solidFill>
+          <a:ln>
+            <a:solidFill>
+              <a:schemeClr val="tx1"/>
+            </a:solidFill>
+          </a:ln>
         </p:spPr>
         <p:style>
           <a:lnRef idx="2">
@@ -3417,123 +3905,24 @@
           <a:bodyPr rtlCol="0" anchor="ctr"/>
           <a:lstStyle/>
           <a:p>
-            <a:pPr algn="ctr">
-              <a:lnSpc>
-                <a:spcPct val="150000"/>
-              </a:lnSpc>
-            </a:pPr>
-            <a:r>
-              <a:rPr lang="pt-PT" dirty="0"/>
-              <a:t>Configurações</a:t>
-            </a:r>
-          </a:p>
-          <a:p>
-            <a:pPr algn="ctr">
-              <a:lnSpc>
-                <a:spcPct val="150000"/>
-              </a:lnSpc>
-            </a:pPr>
-            <a:r>
-              <a:rPr lang="pt-PT" dirty="0"/>
-              <a:t>PORTB1 output OC1A</a:t>
-            </a:r>
-          </a:p>
-          <a:p>
-            <a:pPr algn="ctr">
-              <a:lnSpc>
-                <a:spcPct val="150000"/>
-              </a:lnSpc>
-            </a:pPr>
-            <a:r>
-              <a:rPr lang="pt-PT" dirty="0"/>
-              <a:t>TCCR1A – </a:t>
-            </a:r>
-            <a:r>
-              <a:rPr lang="pt-PT" dirty="0" err="1"/>
-              <a:t>Toggle</a:t>
-            </a:r>
-            <a:r>
-              <a:rPr lang="pt-PT" dirty="0"/>
-              <a:t> OC1A</a:t>
-            </a:r>
-          </a:p>
-          <a:p>
-            <a:pPr algn="ctr">
-              <a:lnSpc>
-                <a:spcPct val="150000"/>
-              </a:lnSpc>
-            </a:pPr>
-            <a:r>
-              <a:rPr lang="pt-PT" dirty="0"/>
-              <a:t>TCCR1B – </a:t>
-            </a:r>
-            <a:r>
-              <a:rPr lang="pt-PT" dirty="0" err="1"/>
-              <a:t>Mode</a:t>
-            </a:r>
-            <a:r>
-              <a:rPr lang="pt-PT" dirty="0"/>
-              <a:t> TCT – CLKIO/256 (</a:t>
-            </a:r>
-            <a:r>
-              <a:rPr lang="pt-PT" dirty="0" err="1"/>
-              <a:t>From</a:t>
-            </a:r>
-            <a:r>
-              <a:rPr lang="pt-PT" dirty="0"/>
-              <a:t> </a:t>
-            </a:r>
-            <a:r>
-              <a:rPr lang="pt-PT" dirty="0" err="1"/>
-              <a:t>Prescaler</a:t>
-            </a:r>
-            <a:r>
-              <a:rPr lang="pt-PT" dirty="0"/>
-              <a:t>)</a:t>
-            </a:r>
-          </a:p>
-          <a:p>
-            <a:pPr algn="ctr">
-              <a:lnSpc>
-                <a:spcPct val="150000"/>
-              </a:lnSpc>
-            </a:pPr>
-            <a:r>
-              <a:rPr lang="pt-PT" dirty="0"/>
-              <a:t> TIMSK1 – </a:t>
-            </a:r>
-            <a:r>
-              <a:rPr lang="pt-PT" dirty="0" err="1"/>
-              <a:t>Enable</a:t>
-            </a:r>
-            <a:r>
-              <a:rPr lang="pt-PT" dirty="0"/>
-              <a:t> Timer1</a:t>
-            </a:r>
-          </a:p>
-          <a:p>
-            <a:pPr algn="ctr">
-              <a:lnSpc>
-                <a:spcPct val="150000"/>
-              </a:lnSpc>
-            </a:pPr>
-            <a:r>
-              <a:rPr lang="pt-PT" dirty="0"/>
-              <a:t>OCR1A = 31250</a:t>
-            </a:r>
-          </a:p>
-          <a:p>
             <a:pPr algn="ctr"/>
-            <a:endParaRPr lang="pt-PT" dirty="0"/>
-          </a:p>
-        </p:txBody>
-      </p:sp>
-      <p:sp>
-        <p:nvSpPr>
-          <p:cNvPr id="6" name="Fluxograma: Decisão 5">
-            <a:extLst>
-              <a:ext uri="{FF2B5EF4-FFF2-40B4-BE49-F238E27FC236}">
-                <a16:creationId xmlns:a16="http://schemas.microsoft.com/office/drawing/2014/main" id="{1A6C39C0-EB67-459F-9052-6DB6777DF8AD}"/>
+            <a:r>
+              <a:rPr lang="pt-PT" sz="1200" dirty="0">
+                <a:solidFill>
+                  <a:schemeClr val="tx1"/>
+                </a:solidFill>
+              </a:rPr>
+              <a:t>main()</a:t>
+            </a:r>
+          </a:p>
+        </p:txBody>
+      </p:sp>
+      <p:sp>
+        <p:nvSpPr>
+          <p:cNvPr id="5" name="Retângulo: Cantos Arredondados 4">
+            <a:extLst>
+              <a:ext uri="{FF2B5EF4-FFF2-40B4-BE49-F238E27FC236}">
+                <a16:creationId xmlns:a16="http://schemas.microsoft.com/office/drawing/2014/main" id="{B037CCA5-3F87-4A09-A4C5-4408C7F2909A}"/>
               </a:ext>
             </a:extLst>
           </p:cNvPr>
@@ -3542,12 +3931,20 @@
         </p:nvSpPr>
         <p:spPr>
           <a:xfrm>
-            <a:off x="4306952" y="4346715"/>
-            <a:ext cx="2014330" cy="1245704"/>
+            <a:off x="1837194" y="1258954"/>
+            <a:ext cx="3383332" cy="1921572"/>
           </a:xfrm>
-          <a:prstGeom prst="flowChartDecision">
+          <a:prstGeom prst="roundRect">
             <a:avLst/>
           </a:prstGeom>
+          <a:solidFill>
+            <a:schemeClr val="bg1"/>
+          </a:solidFill>
+          <a:ln>
+            <a:solidFill>
+              <a:schemeClr val="tx1"/>
+            </a:solidFill>
+          </a:ln>
         </p:spPr>
         <p:style>
           <a:lnRef idx="2">
@@ -3569,24 +3966,93 @@
           <a:bodyPr rtlCol="0" anchor="ctr"/>
           <a:lstStyle/>
           <a:p>
-            <a:pPr algn="ctr"/>
-            <a:r>
-              <a:rPr lang="pt-PT" dirty="0" err="1"/>
-              <a:t>While</a:t>
-            </a:r>
-            <a:r>
-              <a:rPr lang="pt-PT" dirty="0"/>
-              <a:t> 1</a:t>
-            </a:r>
-          </a:p>
-        </p:txBody>
-      </p:sp>
-      <p:sp>
-        <p:nvSpPr>
-          <p:cNvPr id="7" name="Fluxograma: Processo Alternativo 6">
-            <a:extLst>
-              <a:ext uri="{FF2B5EF4-FFF2-40B4-BE49-F238E27FC236}">
-                <a16:creationId xmlns:a16="http://schemas.microsoft.com/office/drawing/2014/main" id="{2334A2FB-2BFD-4949-99E8-AE2FDC86946B}"/>
+            <a:pPr algn="ctr">
+              <a:lnSpc>
+                <a:spcPct val="150000"/>
+              </a:lnSpc>
+            </a:pPr>
+            <a:r>
+              <a:rPr lang="pt-BR" sz="1200" dirty="0">
+                <a:solidFill>
+                  <a:schemeClr val="tx1"/>
+                </a:solidFill>
+              </a:rPr>
+              <a:t>init()</a:t>
+            </a:r>
+          </a:p>
+          <a:p>
+            <a:pPr algn="ctr">
+              <a:lnSpc>
+                <a:spcPct val="150000"/>
+              </a:lnSpc>
+            </a:pPr>
+            <a:r>
+              <a:rPr lang="pt-BR" sz="1200" dirty="0">
+                <a:solidFill>
+                  <a:schemeClr val="tx1"/>
+                </a:solidFill>
+              </a:rPr>
+              <a:t>Configuração dos portos.</a:t>
+            </a:r>
+          </a:p>
+          <a:p>
+            <a:pPr algn="ctr">
+              <a:lnSpc>
+                <a:spcPct val="150000"/>
+              </a:lnSpc>
+            </a:pPr>
+            <a:r>
+              <a:rPr lang="pt-BR" sz="1200" dirty="0">
+                <a:solidFill>
+                  <a:schemeClr val="tx1"/>
+                </a:solidFill>
+              </a:rPr>
+              <a:t>■ PORTB1 output OC1A</a:t>
+            </a:r>
+          </a:p>
+          <a:p>
+            <a:pPr algn="ctr">
+              <a:lnSpc>
+                <a:spcPct val="150000"/>
+              </a:lnSpc>
+            </a:pPr>
+            <a:r>
+              <a:rPr lang="pt-BR" sz="1200" dirty="0">
+                <a:solidFill>
+                  <a:schemeClr val="tx1"/>
+                </a:solidFill>
+              </a:rPr>
+              <a:t>■ TCCR1A – Toggle OC1A</a:t>
+            </a:r>
+          </a:p>
+          <a:p>
+            <a:pPr algn="ctr">
+              <a:lnSpc>
+                <a:spcPct val="150000"/>
+              </a:lnSpc>
+            </a:pPr>
+            <a:r>
+              <a:rPr lang="pt-BR" sz="1200" dirty="0">
+                <a:solidFill>
+                  <a:schemeClr val="tx1"/>
+                </a:solidFill>
+              </a:rPr>
+              <a:t>Configuração Timer1: PWM f. 1 Hz com 50% duty cycle com toggle no pino OC1A.</a:t>
+            </a:r>
+            <a:endParaRPr lang="pt-PT" sz="1200" dirty="0">
+              <a:solidFill>
+                <a:schemeClr val="tx1"/>
+              </a:solidFill>
+            </a:endParaRPr>
+          </a:p>
+        </p:txBody>
+      </p:sp>
+      <p:sp>
+        <p:nvSpPr>
+          <p:cNvPr id="6" name="Fluxograma: Decisão 5">
+            <a:extLst>
+              <a:ext uri="{FF2B5EF4-FFF2-40B4-BE49-F238E27FC236}">
+                <a16:creationId xmlns:a16="http://schemas.microsoft.com/office/drawing/2014/main" id="{1A6C39C0-EB67-459F-9052-6DB6777DF8AD}"/>
               </a:ext>
             </a:extLst>
           </p:cNvPr>
@@ -3595,12 +4061,20 @@
         </p:nvSpPr>
         <p:spPr>
           <a:xfrm>
-            <a:off x="7315200" y="4572001"/>
-            <a:ext cx="1654862" cy="795131"/>
+            <a:off x="2777896" y="3544958"/>
+            <a:ext cx="1498762" cy="954314"/>
           </a:xfrm>
-          <a:prstGeom prst="flowChartAlternateProcess">
+          <a:prstGeom prst="flowChartDecision">
             <a:avLst/>
           </a:prstGeom>
+          <a:solidFill>
+            <a:schemeClr val="bg1"/>
+          </a:solidFill>
+          <a:ln>
+            <a:solidFill>
+              <a:schemeClr val="tx1"/>
+            </a:solidFill>
+          </a:ln>
         </p:spPr>
         <p:style>
           <a:lnRef idx="2">
@@ -3624,61 +4098,12 @@
           <a:p>
             <a:pPr algn="ctr"/>
             <a:r>
-              <a:rPr lang="pt-PT" dirty="0" err="1"/>
-              <a:t>Toggle</a:t>
-            </a:r>
-            <a:r>
-              <a:rPr lang="pt-PT" dirty="0"/>
-              <a:t> OC1A</a:t>
-            </a:r>
-          </a:p>
-        </p:txBody>
-      </p:sp>
-      <p:sp>
-        <p:nvSpPr>
-          <p:cNvPr id="8" name="Fluxograma: Processo Alternativo 7">
-            <a:extLst>
-              <a:ext uri="{FF2B5EF4-FFF2-40B4-BE49-F238E27FC236}">
-                <a16:creationId xmlns:a16="http://schemas.microsoft.com/office/drawing/2014/main" id="{30DC37A5-0729-4B7F-A55F-B712738C48D3}"/>
-              </a:ext>
-            </a:extLst>
-          </p:cNvPr>
-          <p:cNvSpPr/>
-          <p:nvPr/>
-        </p:nvSpPr>
-        <p:spPr>
-          <a:xfrm>
-            <a:off x="4486686" y="5910471"/>
-            <a:ext cx="1654862" cy="795131"/>
-          </a:xfrm>
-          <a:prstGeom prst="flowChartAlternateProcess">
-            <a:avLst/>
-          </a:prstGeom>
-        </p:spPr>
-        <p:style>
-          <a:lnRef idx="2">
-            <a:schemeClr val="accent1">
-              <a:shade val="50000"/>
-            </a:schemeClr>
-          </a:lnRef>
-          <a:fillRef idx="1">
-            <a:schemeClr val="accent1"/>
-          </a:fillRef>
-          <a:effectRef idx="0">
-            <a:schemeClr val="accent1"/>
-          </a:effectRef>
-          <a:fontRef idx="minor">
-            <a:schemeClr val="lt1"/>
-          </a:fontRef>
-        </p:style>
-        <p:txBody>
-          <a:bodyPr rtlCol="0" anchor="ctr"/>
-          <a:lstStyle/>
-          <a:p>
-            <a:pPr algn="ctr"/>
-            <a:r>
-              <a:rPr lang="pt-PT" dirty="0"/>
-              <a:t>FIM</a:t>
+              <a:rPr lang="pt-PT" sz="1200" dirty="0">
+                <a:solidFill>
+                  <a:schemeClr val="tx1"/>
+                </a:solidFill>
+              </a:rPr>
+              <a:t>While (1)</a:t>
             </a:r>
           </a:p>
         </p:txBody>
@@ -3693,6 +4118,7 @@
             </a:extLst>
           </p:cNvPr>
           <p:cNvCxnSpPr>
+            <a:cxnSpLocks/>
             <a:stCxn id="4" idx="2"/>
             <a:endCxn id="5" idx="0"/>
           </p:cNvCxnSpPr>
@@ -3700,13 +4126,16 @@
         </p:nvCxnSpPr>
         <p:spPr>
           <a:xfrm flipH="1">
-            <a:off x="5314118" y="901149"/>
-            <a:ext cx="1" cy="364432"/>
+            <a:off x="3528860" y="894522"/>
+            <a:ext cx="2" cy="364432"/>
           </a:xfrm>
           <a:prstGeom prst="straightConnector1">
             <a:avLst/>
           </a:prstGeom>
           <a:ln>
+            <a:solidFill>
+              <a:schemeClr val="tx1"/>
+            </a:solidFill>
             <a:tailEnd type="triangle"/>
           </a:ln>
         </p:spPr>
@@ -3727,25 +4156,30 @@
       </p:cxnSp>
       <p:cxnSp>
         <p:nvCxnSpPr>
-          <p:cNvPr id="12" name="Conexão reta unidirecional 11">
-            <a:extLst>
-              <a:ext uri="{FF2B5EF4-FFF2-40B4-BE49-F238E27FC236}">
-                <a16:creationId xmlns:a16="http://schemas.microsoft.com/office/drawing/2014/main" id="{8FE6FE3B-7ED7-4514-90FF-C2A5D625FB2E}"/>
-              </a:ext>
-            </a:extLst>
-          </p:cNvPr>
-          <p:cNvCxnSpPr/>
+          <p:cNvPr id="23" name="Conexão reta unidirecional 22">
+            <a:extLst>
+              <a:ext uri="{FF2B5EF4-FFF2-40B4-BE49-F238E27FC236}">
+                <a16:creationId xmlns:a16="http://schemas.microsoft.com/office/drawing/2014/main" id="{E9C238ED-BA2F-43A9-94B8-7A9E569765F1}"/>
+              </a:ext>
+            </a:extLst>
+          </p:cNvPr>
+          <p:cNvCxnSpPr>
+            <a:cxnSpLocks/>
+          </p:cNvCxnSpPr>
           <p:nvPr/>
         </p:nvCxnSpPr>
         <p:spPr>
           <a:xfrm flipH="1">
-            <a:off x="5314117" y="3982283"/>
-            <a:ext cx="1" cy="364432"/>
+            <a:off x="3527277" y="3184155"/>
+            <a:ext cx="2" cy="364432"/>
           </a:xfrm>
           <a:prstGeom prst="straightConnector1">
             <a:avLst/>
           </a:prstGeom>
           <a:ln>
+            <a:solidFill>
+              <a:schemeClr val="tx1"/>
+            </a:solidFill>
             <a:tailEnd type="triangle"/>
           </a:ln>
         </p:spPr>
@@ -3766,25 +4200,35 @@
       </p:cxnSp>
       <p:cxnSp>
         <p:nvCxnSpPr>
-          <p:cNvPr id="13" name="Conexão reta unidirecional 12">
-            <a:extLst>
-              <a:ext uri="{FF2B5EF4-FFF2-40B4-BE49-F238E27FC236}">
-                <a16:creationId xmlns:a16="http://schemas.microsoft.com/office/drawing/2014/main" id="{AB097B93-FB61-457F-92AC-DD77497EB2DE}"/>
-              </a:ext>
-            </a:extLst>
-          </p:cNvPr>
-          <p:cNvCxnSpPr/>
+          <p:cNvPr id="28" name="Conexão: Ângulo Reto 27">
+            <a:extLst>
+              <a:ext uri="{FF2B5EF4-FFF2-40B4-BE49-F238E27FC236}">
+                <a16:creationId xmlns:a16="http://schemas.microsoft.com/office/drawing/2014/main" id="{71EFEC52-3F42-407E-B85B-E167E821F250}"/>
+              </a:ext>
+            </a:extLst>
+          </p:cNvPr>
+          <p:cNvCxnSpPr>
+            <a:cxnSpLocks/>
+            <a:stCxn id="6" idx="2"/>
+            <a:endCxn id="6" idx="3"/>
+          </p:cNvCxnSpPr>
           <p:nvPr/>
         </p:nvCxnSpPr>
         <p:spPr>
-          <a:xfrm flipH="1">
-            <a:off x="5314117" y="5546039"/>
-            <a:ext cx="1" cy="364432"/>
+          <a:xfrm rot="5400000" flipH="1" flipV="1">
+            <a:off x="3663388" y="3886003"/>
+            <a:ext cx="477157" cy="749381"/>
           </a:xfrm>
-          <a:prstGeom prst="straightConnector1">
-            <a:avLst/>
+          <a:prstGeom prst="bentConnector4">
+            <a:avLst>
+              <a:gd name="adj1" fmla="val -32699"/>
+              <a:gd name="adj2" fmla="val 157621"/>
+            </a:avLst>
           </a:prstGeom>
           <a:ln>
+            <a:solidFill>
+              <a:schemeClr val="tx1"/>
+            </a:solidFill>
             <a:tailEnd type="triangle"/>
           </a:ln>
         </p:spPr>
@@ -3803,99 +4247,318 @@
           </a:fontRef>
         </p:style>
       </p:cxnSp>
-      <p:cxnSp>
-        <p:nvCxnSpPr>
-          <p:cNvPr id="14" name="Conexão reta unidirecional 13">
-            <a:extLst>
-              <a:ext uri="{FF2B5EF4-FFF2-40B4-BE49-F238E27FC236}">
-                <a16:creationId xmlns:a16="http://schemas.microsoft.com/office/drawing/2014/main" id="{447DC311-5B89-4A6C-BC73-B1CB82AC26F0}"/>
-              </a:ext>
-            </a:extLst>
-          </p:cNvPr>
-          <p:cNvCxnSpPr>
-            <a:cxnSpLocks/>
-            <a:stCxn id="5" idx="2"/>
-            <a:endCxn id="7" idx="1"/>
-          </p:cNvCxnSpPr>
+      <p:grpSp>
+        <p:nvGrpSpPr>
+          <p:cNvPr id="40" name="Agrupar 39">
+            <a:extLst>
+              <a:ext uri="{FF2B5EF4-FFF2-40B4-BE49-F238E27FC236}">
+                <a16:creationId xmlns:a16="http://schemas.microsoft.com/office/drawing/2014/main" id="{ADB1273D-72B7-4B32-A67A-E2A8CADCAE6D}"/>
+              </a:ext>
+            </a:extLst>
+          </p:cNvPr>
+          <p:cNvGrpSpPr/>
           <p:nvPr/>
-        </p:nvCxnSpPr>
-        <p:spPr>
+        </p:nvGrpSpPr>
+        <p:grpSpPr>
           <a:xfrm>
-            <a:off x="5314118" y="4075043"/>
-            <a:ext cx="2001082" cy="894524"/>
+            <a:off x="5834633" y="1725163"/>
+            <a:ext cx="2482290" cy="1819795"/>
+            <a:chOff x="7794062" y="655982"/>
+            <a:chExt cx="2482290" cy="1819795"/>
           </a:xfrm>
-          <a:prstGeom prst="straightConnector1">
-            <a:avLst/>
-          </a:prstGeom>
-          <a:ln>
-            <a:tailEnd type="triangle"/>
-          </a:ln>
-        </p:spPr>
-        <p:style>
-          <a:lnRef idx="1">
-            <a:schemeClr val="accent1"/>
-          </a:lnRef>
-          <a:fillRef idx="0">
-            <a:schemeClr val="accent1"/>
-          </a:fillRef>
-          <a:effectRef idx="0">
-            <a:schemeClr val="accent1"/>
-          </a:effectRef>
-          <a:fontRef idx="minor">
-            <a:schemeClr val="tx1"/>
-          </a:fontRef>
-        </p:style>
-      </p:cxnSp>
-      <p:sp>
-        <p:nvSpPr>
-          <p:cNvPr id="3" name="Oval 2">
-            <a:extLst>
-              <a:ext uri="{FF2B5EF4-FFF2-40B4-BE49-F238E27FC236}">
-                <a16:creationId xmlns:a16="http://schemas.microsoft.com/office/drawing/2014/main" id="{6C89B060-40CC-44AB-8819-C3F1CF9BE4E0}"/>
-              </a:ext>
-            </a:extLst>
-          </p:cNvPr>
-          <p:cNvSpPr/>
-          <p:nvPr/>
-        </p:nvSpPr>
-        <p:spPr>
-          <a:xfrm>
-            <a:off x="251791" y="172278"/>
-            <a:ext cx="1325218" cy="490331"/>
-          </a:xfrm>
-          <a:prstGeom prst="ellipse">
-            <a:avLst/>
-          </a:prstGeom>
-        </p:spPr>
-        <p:style>
-          <a:lnRef idx="2">
-            <a:schemeClr val="accent1">
-              <a:shade val="50000"/>
-            </a:schemeClr>
-          </a:lnRef>
-          <a:fillRef idx="1">
-            <a:schemeClr val="accent1"/>
-          </a:fillRef>
-          <a:effectRef idx="0">
-            <a:schemeClr val="accent1"/>
-          </a:effectRef>
-          <a:fontRef idx="minor">
-            <a:schemeClr val="lt1"/>
-          </a:fontRef>
-        </p:style>
-        <p:txBody>
-          <a:bodyPr rtlCol="0" anchor="ctr"/>
-          <a:lstStyle/>
-          <a:p>
-            <a:pPr algn="ctr"/>
-            <a:r>
-              <a:rPr lang="pt-PT" dirty="0" err="1"/>
-              <a:t>Blink</a:t>
-            </a:r>
-            <a:endParaRPr lang="pt-PT" dirty="0"/>
-          </a:p>
-        </p:txBody>
-      </p:sp>
+        </p:grpSpPr>
+        <p:sp>
+          <p:nvSpPr>
+            <p:cNvPr id="7" name="Fluxograma: Processo Alternativo 6">
+              <a:extLst>
+                <a:ext uri="{FF2B5EF4-FFF2-40B4-BE49-F238E27FC236}">
+                  <a16:creationId xmlns:a16="http://schemas.microsoft.com/office/drawing/2014/main" id="{2334A2FB-2BFD-4949-99E8-AE2FDC86946B}"/>
+                </a:ext>
+              </a:extLst>
+            </p:cNvPr>
+            <p:cNvSpPr/>
+            <p:nvPr/>
+          </p:nvSpPr>
+          <p:spPr>
+            <a:xfrm>
+              <a:off x="8207776" y="1380901"/>
+              <a:ext cx="1654862" cy="364433"/>
+            </a:xfrm>
+            <a:prstGeom prst="flowChartAlternateProcess">
+              <a:avLst/>
+            </a:prstGeom>
+            <a:solidFill>
+              <a:schemeClr val="bg1"/>
+            </a:solidFill>
+            <a:ln>
+              <a:solidFill>
+                <a:schemeClr val="tx1"/>
+              </a:solidFill>
+            </a:ln>
+          </p:spPr>
+          <p:style>
+            <a:lnRef idx="2">
+              <a:schemeClr val="accent1">
+                <a:shade val="50000"/>
+              </a:schemeClr>
+            </a:lnRef>
+            <a:fillRef idx="1">
+              <a:schemeClr val="accent1"/>
+            </a:fillRef>
+            <a:effectRef idx="0">
+              <a:schemeClr val="accent1"/>
+            </a:effectRef>
+            <a:fontRef idx="minor">
+              <a:schemeClr val="lt1"/>
+            </a:fontRef>
+          </p:style>
+          <p:txBody>
+            <a:bodyPr rtlCol="0" anchor="ctr"/>
+            <a:lstStyle/>
+            <a:p>
+              <a:pPr algn="ctr"/>
+              <a:r>
+                <a:rPr lang="pt-PT" sz="1200" dirty="0">
+                  <a:solidFill>
+                    <a:schemeClr val="tx1"/>
+                  </a:solidFill>
+                </a:rPr>
+                <a:t>Toggle OC1A</a:t>
+              </a:r>
+            </a:p>
+          </p:txBody>
+        </p:sp>
+        <p:sp>
+          <p:nvSpPr>
+            <p:cNvPr id="35" name="Retângulo: Cantos Arredondados 34">
+              <a:extLst>
+                <a:ext uri="{FF2B5EF4-FFF2-40B4-BE49-F238E27FC236}">
+                  <a16:creationId xmlns:a16="http://schemas.microsoft.com/office/drawing/2014/main" id="{A880A44A-17C0-4BCA-8E90-B5557F16743E}"/>
+                </a:ext>
+              </a:extLst>
+            </p:cNvPr>
+            <p:cNvSpPr/>
+            <p:nvPr/>
+          </p:nvSpPr>
+          <p:spPr>
+            <a:xfrm>
+              <a:off x="7794062" y="655982"/>
+              <a:ext cx="2482290" cy="364432"/>
+            </a:xfrm>
+            <a:prstGeom prst="roundRect">
+              <a:avLst/>
+            </a:prstGeom>
+            <a:solidFill>
+              <a:schemeClr val="bg1"/>
+            </a:solidFill>
+            <a:ln>
+              <a:solidFill>
+                <a:schemeClr val="tx1"/>
+              </a:solidFill>
+            </a:ln>
+          </p:spPr>
+          <p:style>
+            <a:lnRef idx="2">
+              <a:schemeClr val="accent1">
+                <a:shade val="50000"/>
+              </a:schemeClr>
+            </a:lnRef>
+            <a:fillRef idx="1">
+              <a:schemeClr val="accent1"/>
+            </a:fillRef>
+            <a:effectRef idx="0">
+              <a:schemeClr val="accent1"/>
+            </a:effectRef>
+            <a:fontRef idx="minor">
+              <a:schemeClr val="lt1"/>
+            </a:fontRef>
+          </p:style>
+          <p:txBody>
+            <a:bodyPr rtlCol="0" anchor="ctr"/>
+            <a:lstStyle/>
+            <a:p>
+              <a:pPr algn="ctr"/>
+              <a:endParaRPr lang="en-US" sz="1200" dirty="0">
+                <a:solidFill>
+                  <a:schemeClr val="tx1"/>
+                </a:solidFill>
+              </a:endParaRPr>
+            </a:p>
+            <a:p>
+              <a:pPr algn="ctr"/>
+              <a:r>
+                <a:rPr lang="en-US" sz="1200" dirty="0">
+                  <a:solidFill>
+                    <a:schemeClr val="tx1"/>
+                  </a:solidFill>
+                </a:rPr>
+                <a:t>Interrupção Timer1 Compare</a:t>
+              </a:r>
+              <a:br>
+                <a:rPr lang="en-US" sz="1200" dirty="0">
+                  <a:solidFill>
+                    <a:schemeClr val="tx1"/>
+                  </a:solidFill>
+                </a:rPr>
+              </a:br>
+              <a:endParaRPr lang="pt-PT" sz="1200" dirty="0">
+                <a:solidFill>
+                  <a:schemeClr val="tx1"/>
+                </a:solidFill>
+              </a:endParaRPr>
+            </a:p>
+          </p:txBody>
+        </p:sp>
+        <p:cxnSp>
+          <p:nvCxnSpPr>
+            <p:cNvPr id="36" name="Conexão reta unidirecional 35">
+              <a:extLst>
+                <a:ext uri="{FF2B5EF4-FFF2-40B4-BE49-F238E27FC236}">
+                  <a16:creationId xmlns:a16="http://schemas.microsoft.com/office/drawing/2014/main" id="{8DE69C05-5345-4DE8-AF33-AC675F696902}"/>
+                </a:ext>
+              </a:extLst>
+            </p:cNvPr>
+            <p:cNvCxnSpPr>
+              <a:cxnSpLocks/>
+            </p:cNvCxnSpPr>
+            <p:nvPr/>
+          </p:nvCxnSpPr>
+          <p:spPr>
+            <a:xfrm flipH="1">
+              <a:off x="9035207" y="1016469"/>
+              <a:ext cx="2" cy="364432"/>
+            </a:xfrm>
+            <a:prstGeom prst="straightConnector1">
+              <a:avLst/>
+            </a:prstGeom>
+            <a:ln>
+              <a:solidFill>
+                <a:schemeClr val="tx1"/>
+              </a:solidFill>
+              <a:tailEnd type="triangle"/>
+            </a:ln>
+          </p:spPr>
+          <p:style>
+            <a:lnRef idx="1">
+              <a:schemeClr val="accent1"/>
+            </a:lnRef>
+            <a:fillRef idx="0">
+              <a:schemeClr val="accent1"/>
+            </a:fillRef>
+            <a:effectRef idx="0">
+              <a:schemeClr val="accent1"/>
+            </a:effectRef>
+            <a:fontRef idx="minor">
+              <a:schemeClr val="tx1"/>
+            </a:fontRef>
+          </p:style>
+        </p:cxnSp>
+        <p:sp>
+          <p:nvSpPr>
+            <p:cNvPr id="37" name="Fluxograma: Processo Alternativo 36">
+              <a:extLst>
+                <a:ext uri="{FF2B5EF4-FFF2-40B4-BE49-F238E27FC236}">
+                  <a16:creationId xmlns:a16="http://schemas.microsoft.com/office/drawing/2014/main" id="{E2E0D51C-E917-40E0-8DB6-6B79B219A5F4}"/>
+                </a:ext>
+              </a:extLst>
+            </p:cNvPr>
+            <p:cNvSpPr/>
+            <p:nvPr/>
+          </p:nvSpPr>
+          <p:spPr>
+            <a:xfrm>
+              <a:off x="8207776" y="2111344"/>
+              <a:ext cx="1654862" cy="364433"/>
+            </a:xfrm>
+            <a:prstGeom prst="flowChartAlternateProcess">
+              <a:avLst/>
+            </a:prstGeom>
+            <a:solidFill>
+              <a:schemeClr val="bg1"/>
+            </a:solidFill>
+            <a:ln>
+              <a:solidFill>
+                <a:schemeClr val="tx1"/>
+              </a:solidFill>
+            </a:ln>
+          </p:spPr>
+          <p:style>
+            <a:lnRef idx="2">
+              <a:schemeClr val="accent1">
+                <a:shade val="50000"/>
+              </a:schemeClr>
+            </a:lnRef>
+            <a:fillRef idx="1">
+              <a:schemeClr val="accent1"/>
+            </a:fillRef>
+            <a:effectRef idx="0">
+              <a:schemeClr val="accent1"/>
+            </a:effectRef>
+            <a:fontRef idx="minor">
+              <a:schemeClr val="lt1"/>
+            </a:fontRef>
+          </p:style>
+          <p:txBody>
+            <a:bodyPr rtlCol="0" anchor="ctr"/>
+            <a:lstStyle/>
+            <a:p>
+              <a:pPr algn="ctr"/>
+              <a:r>
+                <a:rPr lang="pt-PT" sz="1200" dirty="0">
+                  <a:solidFill>
+                    <a:schemeClr val="tx1"/>
+                  </a:solidFill>
+                </a:rPr>
+                <a:t>Fim</a:t>
+              </a:r>
+            </a:p>
+          </p:txBody>
+        </p:sp>
+        <p:cxnSp>
+          <p:nvCxnSpPr>
+            <p:cNvPr id="38" name="Conexão reta unidirecional 37">
+              <a:extLst>
+                <a:ext uri="{FF2B5EF4-FFF2-40B4-BE49-F238E27FC236}">
+                  <a16:creationId xmlns:a16="http://schemas.microsoft.com/office/drawing/2014/main" id="{8859F503-51A9-469A-A22B-3A47BE700C8E}"/>
+                </a:ext>
+              </a:extLst>
+            </p:cNvPr>
+            <p:cNvCxnSpPr>
+              <a:cxnSpLocks/>
+            </p:cNvCxnSpPr>
+            <p:nvPr/>
+          </p:nvCxnSpPr>
+          <p:spPr>
+            <a:xfrm flipH="1">
+              <a:off x="9035205" y="1757947"/>
+              <a:ext cx="2" cy="364432"/>
+            </a:xfrm>
+            <a:prstGeom prst="straightConnector1">
+              <a:avLst/>
+            </a:prstGeom>
+            <a:ln>
+              <a:solidFill>
+                <a:schemeClr val="tx1"/>
+              </a:solidFill>
+              <a:tailEnd type="triangle"/>
+            </a:ln>
+          </p:spPr>
+          <p:style>
+            <a:lnRef idx="1">
+              <a:schemeClr val="accent1"/>
+            </a:lnRef>
+            <a:fillRef idx="0">
+              <a:schemeClr val="accent1"/>
+            </a:fillRef>
+            <a:effectRef idx="0">
+              <a:schemeClr val="accent1"/>
+            </a:effectRef>
+            <a:fontRef idx="minor">
+              <a:schemeClr val="tx1"/>
+            </a:fontRef>
+          </p:style>
+        </p:cxnSp>
+      </p:grpSp>
     </p:spTree>
     <p:extLst>
       <p:ext uri="{BB962C8B-B14F-4D97-AF65-F5344CB8AC3E}">
@@ -3940,12 +4603,20 @@
         </p:nvSpPr>
         <p:spPr>
           <a:xfrm>
-            <a:off x="318052" y="165651"/>
+            <a:off x="64938" y="165651"/>
             <a:ext cx="1454825" cy="689113"/>
           </a:xfrm>
           <a:prstGeom prst="ellipse">
             <a:avLst/>
           </a:prstGeom>
+          <a:solidFill>
+            <a:schemeClr val="bg1"/>
+          </a:solidFill>
+          <a:ln>
+            <a:solidFill>
+              <a:schemeClr val="tx1"/>
+            </a:solidFill>
+          </a:ln>
         </p:spPr>
         <p:style>
           <a:lnRef idx="2">
@@ -3969,781 +4640,1493 @@
           <a:p>
             <a:pPr algn="ctr"/>
             <a:r>
-              <a:rPr lang="pt-PT" sz="1400" dirty="0"/>
+              <a:rPr lang="pt-PT" sz="1200" dirty="0">
+                <a:solidFill>
+                  <a:schemeClr val="tx1"/>
+                </a:solidFill>
+              </a:rPr>
               <a:t>Modulador PWM</a:t>
             </a:r>
           </a:p>
         </p:txBody>
       </p:sp>
-      <p:sp>
-        <p:nvSpPr>
-          <p:cNvPr id="6" name="Retângulo: Cantos Arredondados 5">
-            <a:extLst>
-              <a:ext uri="{FF2B5EF4-FFF2-40B4-BE49-F238E27FC236}">
-                <a16:creationId xmlns:a16="http://schemas.microsoft.com/office/drawing/2014/main" id="{62417632-C3B7-4686-99FD-CDC96086FDF9}"/>
-              </a:ext>
-            </a:extLst>
-          </p:cNvPr>
-          <p:cNvSpPr/>
+      <p:grpSp>
+        <p:nvGrpSpPr>
+          <p:cNvPr id="33" name="Agrupar 32">
+            <a:extLst>
+              <a:ext uri="{FF2B5EF4-FFF2-40B4-BE49-F238E27FC236}">
+                <a16:creationId xmlns:a16="http://schemas.microsoft.com/office/drawing/2014/main" id="{E5D00555-795D-4C4C-9469-BF25D87CFFAA}"/>
+              </a:ext>
+            </a:extLst>
+          </p:cNvPr>
+          <p:cNvGrpSpPr/>
           <p:nvPr/>
-        </p:nvSpPr>
-        <p:spPr>
+        </p:nvGrpSpPr>
+        <p:grpSpPr>
           <a:xfrm>
-            <a:off x="4876792" y="72887"/>
-            <a:ext cx="1298717" cy="437321"/>
+            <a:off x="8803301" y="696632"/>
+            <a:ext cx="2482290" cy="1819795"/>
+            <a:chOff x="8803301" y="696632"/>
+            <a:chExt cx="2482290" cy="1819795"/>
           </a:xfrm>
-          <a:prstGeom prst="roundRect">
-            <a:avLst/>
-          </a:prstGeom>
-        </p:spPr>
-        <p:style>
-          <a:lnRef idx="2">
-            <a:schemeClr val="accent1">
-              <a:shade val="50000"/>
-            </a:schemeClr>
-          </a:lnRef>
-          <a:fillRef idx="1">
-            <a:schemeClr val="accent1"/>
-          </a:fillRef>
-          <a:effectRef idx="0">
-            <a:schemeClr val="accent1"/>
-          </a:effectRef>
-          <a:fontRef idx="minor">
-            <a:schemeClr val="lt1"/>
-          </a:fontRef>
-        </p:style>
-        <p:txBody>
-          <a:bodyPr rtlCol="0" anchor="ctr"/>
-          <a:lstStyle/>
-          <a:p>
-            <a:pPr algn="ctr"/>
-            <a:r>
-              <a:rPr lang="pt-PT" sz="1400" dirty="0"/>
-              <a:t>Início</a:t>
-            </a:r>
-          </a:p>
-        </p:txBody>
-      </p:sp>
-      <p:sp>
-        <p:nvSpPr>
-          <p:cNvPr id="7" name="Retângulo: Cantos Arredondados 6">
-            <a:extLst>
-              <a:ext uri="{FF2B5EF4-FFF2-40B4-BE49-F238E27FC236}">
-                <a16:creationId xmlns:a16="http://schemas.microsoft.com/office/drawing/2014/main" id="{349847E4-6E33-4199-B731-8FFF36276102}"/>
-              </a:ext>
-            </a:extLst>
-          </p:cNvPr>
-          <p:cNvSpPr/>
+        </p:grpSpPr>
+        <p:sp>
+          <p:nvSpPr>
+            <p:cNvPr id="20" name="Fluxograma: Processo Alternativo 19">
+              <a:extLst>
+                <a:ext uri="{FF2B5EF4-FFF2-40B4-BE49-F238E27FC236}">
+                  <a16:creationId xmlns:a16="http://schemas.microsoft.com/office/drawing/2014/main" id="{44637119-87B6-4373-947C-7D2006E243EA}"/>
+                </a:ext>
+              </a:extLst>
+            </p:cNvPr>
+            <p:cNvSpPr/>
+            <p:nvPr/>
+          </p:nvSpPr>
+          <p:spPr>
+            <a:xfrm>
+              <a:off x="9217015" y="1421551"/>
+              <a:ext cx="1654862" cy="364433"/>
+            </a:xfrm>
+            <a:prstGeom prst="flowChartAlternateProcess">
+              <a:avLst/>
+            </a:prstGeom>
+            <a:solidFill>
+              <a:schemeClr val="bg1"/>
+            </a:solidFill>
+            <a:ln>
+              <a:solidFill>
+                <a:schemeClr val="tx1"/>
+              </a:solidFill>
+            </a:ln>
+          </p:spPr>
+          <p:style>
+            <a:lnRef idx="2">
+              <a:schemeClr val="accent1">
+                <a:shade val="50000"/>
+              </a:schemeClr>
+            </a:lnRef>
+            <a:fillRef idx="1">
+              <a:schemeClr val="accent1"/>
+            </a:fillRef>
+            <a:effectRef idx="0">
+              <a:schemeClr val="accent1"/>
+            </a:effectRef>
+            <a:fontRef idx="minor">
+              <a:schemeClr val="lt1"/>
+            </a:fontRef>
+          </p:style>
+          <p:txBody>
+            <a:bodyPr rtlCol="0" anchor="ctr"/>
+            <a:lstStyle/>
+            <a:p>
+              <a:pPr algn="ctr"/>
+              <a:r>
+                <a:rPr lang="pt-PT" sz="1200" dirty="0">
+                  <a:solidFill>
+                    <a:schemeClr val="tx1"/>
+                  </a:solidFill>
+                </a:rPr>
+                <a:t>Toggle OC1A</a:t>
+              </a:r>
+            </a:p>
+          </p:txBody>
+        </p:sp>
+        <p:sp>
+          <p:nvSpPr>
+            <p:cNvPr id="21" name="Retângulo: Cantos Arredondados 20">
+              <a:extLst>
+                <a:ext uri="{FF2B5EF4-FFF2-40B4-BE49-F238E27FC236}">
+                  <a16:creationId xmlns:a16="http://schemas.microsoft.com/office/drawing/2014/main" id="{5E7E8F95-F96D-498C-B9C9-17018C4DF4C4}"/>
+                </a:ext>
+              </a:extLst>
+            </p:cNvPr>
+            <p:cNvSpPr/>
+            <p:nvPr/>
+          </p:nvSpPr>
+          <p:spPr>
+            <a:xfrm>
+              <a:off x="8803301" y="696632"/>
+              <a:ext cx="2482290" cy="364432"/>
+            </a:xfrm>
+            <a:prstGeom prst="roundRect">
+              <a:avLst/>
+            </a:prstGeom>
+            <a:solidFill>
+              <a:schemeClr val="bg1"/>
+            </a:solidFill>
+            <a:ln>
+              <a:solidFill>
+                <a:schemeClr val="tx1"/>
+              </a:solidFill>
+            </a:ln>
+          </p:spPr>
+          <p:style>
+            <a:lnRef idx="2">
+              <a:schemeClr val="accent1">
+                <a:shade val="50000"/>
+              </a:schemeClr>
+            </a:lnRef>
+            <a:fillRef idx="1">
+              <a:schemeClr val="accent1"/>
+            </a:fillRef>
+            <a:effectRef idx="0">
+              <a:schemeClr val="accent1"/>
+            </a:effectRef>
+            <a:fontRef idx="minor">
+              <a:schemeClr val="lt1"/>
+            </a:fontRef>
+          </p:style>
+          <p:txBody>
+            <a:bodyPr rtlCol="0" anchor="ctr"/>
+            <a:lstStyle/>
+            <a:p>
+              <a:pPr algn="ctr"/>
+              <a:endParaRPr lang="en-US" sz="1200" dirty="0">
+                <a:solidFill>
+                  <a:schemeClr val="tx1"/>
+                </a:solidFill>
+              </a:endParaRPr>
+            </a:p>
+            <a:p>
+              <a:pPr algn="ctr"/>
+              <a:r>
+                <a:rPr lang="en-US" sz="1200" dirty="0">
+                  <a:solidFill>
+                    <a:schemeClr val="tx1"/>
+                  </a:solidFill>
+                </a:rPr>
+                <a:t>Interrupção Timer1 Compare</a:t>
+              </a:r>
+              <a:br>
+                <a:rPr lang="en-US" sz="1200" dirty="0">
+                  <a:solidFill>
+                    <a:schemeClr val="tx1"/>
+                  </a:solidFill>
+                </a:rPr>
+              </a:br>
+              <a:endParaRPr lang="pt-PT" sz="1200" dirty="0">
+                <a:solidFill>
+                  <a:schemeClr val="tx1"/>
+                </a:solidFill>
+              </a:endParaRPr>
+            </a:p>
+          </p:txBody>
+        </p:sp>
+        <p:cxnSp>
+          <p:nvCxnSpPr>
+            <p:cNvPr id="22" name="Conexão reta unidirecional 21">
+              <a:extLst>
+                <a:ext uri="{FF2B5EF4-FFF2-40B4-BE49-F238E27FC236}">
+                  <a16:creationId xmlns:a16="http://schemas.microsoft.com/office/drawing/2014/main" id="{1BC77F09-5107-4430-ABFD-A8E24A58E415}"/>
+                </a:ext>
+              </a:extLst>
+            </p:cNvPr>
+            <p:cNvCxnSpPr>
+              <a:cxnSpLocks/>
+            </p:cNvCxnSpPr>
+            <p:nvPr/>
+          </p:nvCxnSpPr>
+          <p:spPr>
+            <a:xfrm flipH="1">
+              <a:off x="10044445" y="1057119"/>
+              <a:ext cx="2" cy="364432"/>
+            </a:xfrm>
+            <a:prstGeom prst="straightConnector1">
+              <a:avLst/>
+            </a:prstGeom>
+            <a:ln>
+              <a:solidFill>
+                <a:schemeClr val="tx1"/>
+              </a:solidFill>
+              <a:tailEnd type="triangle"/>
+            </a:ln>
+          </p:spPr>
+          <p:style>
+            <a:lnRef idx="1">
+              <a:schemeClr val="accent1"/>
+            </a:lnRef>
+            <a:fillRef idx="0">
+              <a:schemeClr val="accent1"/>
+            </a:fillRef>
+            <a:effectRef idx="0">
+              <a:schemeClr val="accent1"/>
+            </a:effectRef>
+            <a:fontRef idx="minor">
+              <a:schemeClr val="tx1"/>
+            </a:fontRef>
+          </p:style>
+        </p:cxnSp>
+        <p:sp>
+          <p:nvSpPr>
+            <p:cNvPr id="23" name="Fluxograma: Processo Alternativo 22">
+              <a:extLst>
+                <a:ext uri="{FF2B5EF4-FFF2-40B4-BE49-F238E27FC236}">
+                  <a16:creationId xmlns:a16="http://schemas.microsoft.com/office/drawing/2014/main" id="{31492CCE-40AB-464B-BB0D-4CA0819E1120}"/>
+                </a:ext>
+              </a:extLst>
+            </p:cNvPr>
+            <p:cNvSpPr/>
+            <p:nvPr/>
+          </p:nvSpPr>
+          <p:spPr>
+            <a:xfrm>
+              <a:off x="9217015" y="2151994"/>
+              <a:ext cx="1654862" cy="364433"/>
+            </a:xfrm>
+            <a:prstGeom prst="flowChartAlternateProcess">
+              <a:avLst/>
+            </a:prstGeom>
+            <a:solidFill>
+              <a:schemeClr val="bg1"/>
+            </a:solidFill>
+            <a:ln>
+              <a:solidFill>
+                <a:schemeClr val="tx1"/>
+              </a:solidFill>
+            </a:ln>
+          </p:spPr>
+          <p:style>
+            <a:lnRef idx="2">
+              <a:schemeClr val="accent1">
+                <a:shade val="50000"/>
+              </a:schemeClr>
+            </a:lnRef>
+            <a:fillRef idx="1">
+              <a:schemeClr val="accent1"/>
+            </a:fillRef>
+            <a:effectRef idx="0">
+              <a:schemeClr val="accent1"/>
+            </a:effectRef>
+            <a:fontRef idx="minor">
+              <a:schemeClr val="lt1"/>
+            </a:fontRef>
+          </p:style>
+          <p:txBody>
+            <a:bodyPr rtlCol="0" anchor="ctr"/>
+            <a:lstStyle/>
+            <a:p>
+              <a:pPr algn="ctr"/>
+              <a:r>
+                <a:rPr lang="pt-PT" sz="1200" dirty="0">
+                  <a:solidFill>
+                    <a:schemeClr val="tx1"/>
+                  </a:solidFill>
+                </a:rPr>
+                <a:t>Fim</a:t>
+              </a:r>
+            </a:p>
+          </p:txBody>
+        </p:sp>
+        <p:cxnSp>
+          <p:nvCxnSpPr>
+            <p:cNvPr id="24" name="Conexão reta unidirecional 23">
+              <a:extLst>
+                <a:ext uri="{FF2B5EF4-FFF2-40B4-BE49-F238E27FC236}">
+                  <a16:creationId xmlns:a16="http://schemas.microsoft.com/office/drawing/2014/main" id="{ACA6594D-2F06-4049-BA13-5F0CE8D0227B}"/>
+                </a:ext>
+              </a:extLst>
+            </p:cNvPr>
+            <p:cNvCxnSpPr>
+              <a:cxnSpLocks/>
+            </p:cNvCxnSpPr>
+            <p:nvPr/>
+          </p:nvCxnSpPr>
+          <p:spPr>
+            <a:xfrm flipH="1">
+              <a:off x="10044445" y="1798597"/>
+              <a:ext cx="2" cy="364432"/>
+            </a:xfrm>
+            <a:prstGeom prst="straightConnector1">
+              <a:avLst/>
+            </a:prstGeom>
+            <a:ln>
+              <a:solidFill>
+                <a:schemeClr val="tx1"/>
+              </a:solidFill>
+              <a:tailEnd type="triangle"/>
+            </a:ln>
+          </p:spPr>
+          <p:style>
+            <a:lnRef idx="1">
+              <a:schemeClr val="accent1"/>
+            </a:lnRef>
+            <a:fillRef idx="0">
+              <a:schemeClr val="accent1"/>
+            </a:fillRef>
+            <a:effectRef idx="0">
+              <a:schemeClr val="accent1"/>
+            </a:effectRef>
+            <a:fontRef idx="minor">
+              <a:schemeClr val="tx1"/>
+            </a:fontRef>
+          </p:style>
+        </p:cxnSp>
+      </p:grpSp>
+      <p:grpSp>
+        <p:nvGrpSpPr>
+          <p:cNvPr id="43" name="Agrupar 42">
+            <a:extLst>
+              <a:ext uri="{FF2B5EF4-FFF2-40B4-BE49-F238E27FC236}">
+                <a16:creationId xmlns:a16="http://schemas.microsoft.com/office/drawing/2014/main" id="{BD2FE34A-F248-42CE-B937-3BB83C5421B8}"/>
+              </a:ext>
+            </a:extLst>
+          </p:cNvPr>
+          <p:cNvGrpSpPr/>
           <p:nvPr/>
-        </p:nvSpPr>
-        <p:spPr>
+        </p:nvGrpSpPr>
+        <p:grpSpPr>
           <a:xfrm>
-            <a:off x="1971663" y="851450"/>
-            <a:ext cx="7108972" cy="2342323"/>
+            <a:off x="1519763" y="165651"/>
+            <a:ext cx="5317794" cy="4542873"/>
+            <a:chOff x="1519763" y="165651"/>
+            <a:chExt cx="5317794" cy="4542873"/>
           </a:xfrm>
-          <a:prstGeom prst="roundRect">
-            <a:avLst/>
-          </a:prstGeom>
-        </p:spPr>
-        <p:style>
-          <a:lnRef idx="2">
-            <a:schemeClr val="accent1">
-              <a:shade val="50000"/>
-            </a:schemeClr>
-          </a:lnRef>
-          <a:fillRef idx="1">
-            <a:schemeClr val="accent1"/>
-          </a:fillRef>
-          <a:effectRef idx="0">
-            <a:schemeClr val="accent1"/>
-          </a:effectRef>
-          <a:fontRef idx="minor">
-            <a:schemeClr val="lt1"/>
-          </a:fontRef>
-        </p:style>
-        <p:txBody>
-          <a:bodyPr rtlCol="0" anchor="ctr"/>
-          <a:lstStyle/>
-          <a:p>
-            <a:pPr algn="ctr">
-              <a:lnSpc>
-                <a:spcPct val="150000"/>
-              </a:lnSpc>
-            </a:pPr>
-            <a:r>
-              <a:rPr lang="pt-PT" sz="1400" dirty="0"/>
-              <a:t>Configurações</a:t>
-            </a:r>
-          </a:p>
-          <a:p>
-            <a:pPr algn="ctr">
-              <a:lnSpc>
-                <a:spcPct val="150000"/>
-              </a:lnSpc>
-            </a:pPr>
-            <a:r>
-              <a:rPr lang="pt-PT" sz="1400" dirty="0"/>
-              <a:t>PORTD6 output OC0A</a:t>
-            </a:r>
-          </a:p>
-          <a:p>
-            <a:pPr algn="ctr">
-              <a:lnSpc>
-                <a:spcPct val="150000"/>
-              </a:lnSpc>
-            </a:pPr>
-            <a:r>
-              <a:rPr lang="pt-PT" sz="1400" dirty="0"/>
-              <a:t>TCCR0A – Clear OC0A, </a:t>
-            </a:r>
-            <a:r>
-              <a:rPr lang="pt-PT" sz="1400" dirty="0" err="1"/>
-              <a:t>fast</a:t>
-            </a:r>
-            <a:r>
-              <a:rPr lang="pt-PT" sz="1400" dirty="0"/>
-              <a:t> PWM</a:t>
-            </a:r>
-          </a:p>
-          <a:p>
-            <a:pPr algn="ctr">
-              <a:lnSpc>
-                <a:spcPct val="150000"/>
-              </a:lnSpc>
-            </a:pPr>
-            <a:r>
-              <a:rPr lang="pt-PT" sz="1400" dirty="0"/>
-              <a:t>TCCR0B – CLKIO/1024 (</a:t>
-            </a:r>
-            <a:r>
-              <a:rPr lang="pt-PT" sz="1400" dirty="0" err="1"/>
-              <a:t>From</a:t>
-            </a:r>
-            <a:r>
-              <a:rPr lang="pt-PT" sz="1400" dirty="0"/>
-              <a:t> </a:t>
-            </a:r>
-            <a:r>
-              <a:rPr lang="pt-PT" sz="1400" dirty="0" err="1"/>
-              <a:t>Prescaler</a:t>
-            </a:r>
-            <a:r>
-              <a:rPr lang="pt-PT" sz="1400" dirty="0"/>
-              <a:t>)</a:t>
-            </a:r>
-          </a:p>
-          <a:p>
-            <a:pPr algn="ctr">
-              <a:lnSpc>
-                <a:spcPct val="150000"/>
-              </a:lnSpc>
-            </a:pPr>
-            <a:r>
-              <a:rPr lang="pt-PT" sz="1400" dirty="0"/>
-              <a:t>TIMSK0 – </a:t>
-            </a:r>
-            <a:r>
-              <a:rPr lang="pt-PT" sz="1400" dirty="0" err="1"/>
-              <a:t>Overflow</a:t>
-            </a:r>
-            <a:r>
-              <a:rPr lang="pt-PT" sz="1400" dirty="0"/>
-              <a:t> </a:t>
-            </a:r>
-            <a:r>
-              <a:rPr lang="pt-PT" sz="1400" dirty="0" err="1"/>
-              <a:t>interrupt</a:t>
-            </a:r>
-            <a:r>
-              <a:rPr lang="pt-PT" sz="1400" dirty="0"/>
-              <a:t> </a:t>
-            </a:r>
-            <a:r>
-              <a:rPr lang="pt-PT" sz="1400" dirty="0" err="1"/>
-              <a:t>enable</a:t>
-            </a:r>
-            <a:endParaRPr lang="pt-PT" sz="1400" dirty="0"/>
-          </a:p>
-          <a:p>
-            <a:pPr algn="ctr">
-              <a:lnSpc>
-                <a:spcPct val="150000"/>
-              </a:lnSpc>
-            </a:pPr>
-            <a:r>
-              <a:rPr lang="pt-PT" sz="1400" dirty="0"/>
-              <a:t>OCR0A = 0</a:t>
-            </a:r>
-          </a:p>
-          <a:p>
-            <a:pPr algn="ctr">
-              <a:lnSpc>
-                <a:spcPct val="150000"/>
-              </a:lnSpc>
-            </a:pPr>
-            <a:r>
-              <a:rPr lang="pt-PT" sz="1400" dirty="0"/>
-              <a:t>ADC </a:t>
-            </a:r>
-            <a:r>
-              <a:rPr lang="pt-PT" sz="1400" dirty="0" err="1"/>
-              <a:t>Config</a:t>
-            </a:r>
-            <a:r>
-              <a:rPr lang="pt-PT" sz="1400" dirty="0"/>
-              <a:t> = </a:t>
-            </a:r>
-            <a:r>
-              <a:rPr lang="pt-PT" sz="1400" dirty="0" err="1"/>
-              <a:t>Avcc</a:t>
-            </a:r>
-            <a:r>
-              <a:rPr lang="pt-PT" sz="1400" dirty="0"/>
-              <a:t>, </a:t>
-            </a:r>
-            <a:r>
-              <a:rPr lang="pt-PT" sz="1400" dirty="0" err="1"/>
-              <a:t>Align</a:t>
-            </a:r>
-            <a:r>
-              <a:rPr lang="pt-PT" sz="1400" dirty="0"/>
-              <a:t> </a:t>
-            </a:r>
-            <a:r>
-              <a:rPr lang="pt-PT" sz="1400" dirty="0" err="1"/>
-              <a:t>left</a:t>
-            </a:r>
-            <a:r>
-              <a:rPr lang="pt-PT" sz="1400" dirty="0"/>
-              <a:t>, CH0, PS 128, ADC </a:t>
-            </a:r>
-            <a:r>
-              <a:rPr lang="pt-PT" sz="1400" dirty="0" err="1"/>
-              <a:t>Interrupt</a:t>
-            </a:r>
-            <a:r>
-              <a:rPr lang="pt-PT" sz="1400" dirty="0"/>
-              <a:t>, TC0 </a:t>
-            </a:r>
-            <a:r>
-              <a:rPr lang="pt-PT" sz="1400" dirty="0" err="1"/>
-              <a:t>Overflow</a:t>
-            </a:r>
-            <a:endParaRPr lang="pt-PT" sz="1400" dirty="0"/>
-          </a:p>
-        </p:txBody>
-      </p:sp>
-      <p:sp>
-        <p:nvSpPr>
-          <p:cNvPr id="8" name="Fluxograma: Decisão 7">
-            <a:extLst>
-              <a:ext uri="{FF2B5EF4-FFF2-40B4-BE49-F238E27FC236}">
-                <a16:creationId xmlns:a16="http://schemas.microsoft.com/office/drawing/2014/main" id="{B26EB8B2-0E65-46F1-BC71-3D9E1FFD50CC}"/>
-              </a:ext>
-            </a:extLst>
-          </p:cNvPr>
-          <p:cNvSpPr/>
+        </p:grpSpPr>
+        <p:sp>
+          <p:nvSpPr>
+            <p:cNvPr id="6" name="Retângulo: Cantos Arredondados 5">
+              <a:extLst>
+                <a:ext uri="{FF2B5EF4-FFF2-40B4-BE49-F238E27FC236}">
+                  <a16:creationId xmlns:a16="http://schemas.microsoft.com/office/drawing/2014/main" id="{62417632-C3B7-4686-99FD-CDC96086FDF9}"/>
+                </a:ext>
+              </a:extLst>
+            </p:cNvPr>
+            <p:cNvSpPr/>
+            <p:nvPr/>
+          </p:nvSpPr>
+          <p:spPr>
+            <a:xfrm>
+              <a:off x="3529302" y="165651"/>
+              <a:ext cx="1298717" cy="313043"/>
+            </a:xfrm>
+            <a:prstGeom prst="roundRect">
+              <a:avLst/>
+            </a:prstGeom>
+            <a:solidFill>
+              <a:schemeClr val="bg1"/>
+            </a:solidFill>
+            <a:ln>
+              <a:solidFill>
+                <a:schemeClr val="tx1"/>
+              </a:solidFill>
+            </a:ln>
+          </p:spPr>
+          <p:style>
+            <a:lnRef idx="2">
+              <a:schemeClr val="accent1">
+                <a:shade val="50000"/>
+              </a:schemeClr>
+            </a:lnRef>
+            <a:fillRef idx="1">
+              <a:schemeClr val="accent1"/>
+            </a:fillRef>
+            <a:effectRef idx="0">
+              <a:schemeClr val="accent1"/>
+            </a:effectRef>
+            <a:fontRef idx="minor">
+              <a:schemeClr val="lt1"/>
+            </a:fontRef>
+          </p:style>
+          <p:txBody>
+            <a:bodyPr rtlCol="0" anchor="ctr"/>
+            <a:lstStyle/>
+            <a:p>
+              <a:pPr algn="ctr"/>
+              <a:r>
+                <a:rPr lang="pt-PT" sz="1200" dirty="0">
+                  <a:solidFill>
+                    <a:schemeClr val="tx1"/>
+                  </a:solidFill>
+                </a:rPr>
+                <a:t>Início</a:t>
+              </a:r>
+              <a:endParaRPr lang="pt-PT" sz="1400" dirty="0">
+                <a:solidFill>
+                  <a:schemeClr val="tx1"/>
+                </a:solidFill>
+              </a:endParaRPr>
+            </a:p>
+          </p:txBody>
+        </p:sp>
+        <p:sp>
+          <p:nvSpPr>
+            <p:cNvPr id="7" name="Retângulo: Cantos Arredondados 6">
+              <a:extLst>
+                <a:ext uri="{FF2B5EF4-FFF2-40B4-BE49-F238E27FC236}">
+                  <a16:creationId xmlns:a16="http://schemas.microsoft.com/office/drawing/2014/main" id="{349847E4-6E33-4199-B731-8FFF36276102}"/>
+                </a:ext>
+              </a:extLst>
+            </p:cNvPr>
+            <p:cNvSpPr/>
+            <p:nvPr/>
+          </p:nvSpPr>
+          <p:spPr>
+            <a:xfrm>
+              <a:off x="1519763" y="715012"/>
+              <a:ext cx="5317794" cy="2676414"/>
+            </a:xfrm>
+            <a:prstGeom prst="roundRect">
+              <a:avLst/>
+            </a:prstGeom>
+            <a:solidFill>
+              <a:schemeClr val="bg1"/>
+            </a:solidFill>
+            <a:ln>
+              <a:solidFill>
+                <a:schemeClr val="tx1"/>
+              </a:solidFill>
+            </a:ln>
+          </p:spPr>
+          <p:style>
+            <a:lnRef idx="2">
+              <a:schemeClr val="accent1">
+                <a:shade val="50000"/>
+              </a:schemeClr>
+            </a:lnRef>
+            <a:fillRef idx="1">
+              <a:schemeClr val="accent1"/>
+            </a:fillRef>
+            <a:effectRef idx="0">
+              <a:schemeClr val="accent1"/>
+            </a:effectRef>
+            <a:fontRef idx="minor">
+              <a:schemeClr val="lt1"/>
+            </a:fontRef>
+          </p:style>
+          <p:txBody>
+            <a:bodyPr rtlCol="0" anchor="ctr"/>
+            <a:lstStyle/>
+            <a:p>
+              <a:pPr algn="ctr"/>
+              <a:r>
+                <a:rPr lang="pt-PT" sz="1200" dirty="0" err="1">
+                  <a:solidFill>
+                    <a:schemeClr val="tx1"/>
+                  </a:solidFill>
+                </a:rPr>
+                <a:t>init</a:t>
+              </a:r>
+              <a:r>
+                <a:rPr lang="pt-PT" sz="1200" dirty="0">
+                  <a:solidFill>
+                    <a:schemeClr val="tx1"/>
+                  </a:solidFill>
+                </a:rPr>
+                <a:t>()</a:t>
+              </a:r>
+            </a:p>
+            <a:p>
+              <a:pPr algn="ctr"/>
+              <a:r>
+                <a:rPr lang="pt-PT" sz="1200" dirty="0">
+                  <a:solidFill>
+                    <a:schemeClr val="tx1"/>
+                  </a:solidFill>
+                </a:rPr>
+                <a:t>Configuração dos portos.</a:t>
+              </a:r>
+            </a:p>
+            <a:p>
+              <a:pPr algn="ctr"/>
+              <a:r>
+                <a:rPr lang="pt-PT" sz="1200" dirty="0">
+                  <a:solidFill>
+                    <a:schemeClr val="tx1"/>
+                  </a:solidFill>
+                </a:rPr>
+                <a:t>■ PORTB1 output OC1A</a:t>
+              </a:r>
+            </a:p>
+            <a:p>
+              <a:pPr algn="ctr"/>
+              <a:r>
+                <a:rPr lang="pt-PT" sz="1200" dirty="0">
+                  <a:solidFill>
+                    <a:schemeClr val="tx1"/>
+                  </a:solidFill>
+                </a:rPr>
+                <a:t>■ PORTD6 output OC0A</a:t>
+              </a:r>
+            </a:p>
+            <a:p>
+              <a:pPr algn="ctr"/>
+              <a:r>
+                <a:rPr lang="pt-PT" sz="1200" dirty="0">
+                  <a:solidFill>
+                    <a:schemeClr val="tx1"/>
+                  </a:solidFill>
+                </a:rPr>
+                <a:t>■ TCCR1A – Toggle OC1A</a:t>
+              </a:r>
+            </a:p>
+            <a:p>
+              <a:pPr algn="ctr"/>
+              <a:r>
+                <a:rPr lang="pt-PT" sz="1200" dirty="0">
+                  <a:solidFill>
+                    <a:schemeClr val="tx1"/>
+                  </a:solidFill>
+                </a:rPr>
+                <a:t>■ TCCR0A – Toggle OC0A</a:t>
+              </a:r>
+            </a:p>
+            <a:p>
+              <a:pPr algn="ctr"/>
+              <a:r>
+                <a:rPr lang="pt-PT" sz="1200" dirty="0">
+                  <a:solidFill>
+                    <a:schemeClr val="tx1"/>
+                  </a:solidFill>
+                </a:rPr>
+                <a:t>Configuração Timer1: PWM f. 1 Hz com 50% </a:t>
+              </a:r>
+              <a:r>
+                <a:rPr lang="pt-PT" sz="1200" dirty="0" err="1">
+                  <a:solidFill>
+                    <a:schemeClr val="tx1"/>
+                  </a:solidFill>
+                </a:rPr>
+                <a:t>duty</a:t>
+              </a:r>
+              <a:r>
+                <a:rPr lang="pt-PT" sz="1200" dirty="0">
+                  <a:solidFill>
+                    <a:schemeClr val="tx1"/>
+                  </a:solidFill>
+                </a:rPr>
+                <a:t> cycle (modo CTC) com </a:t>
+              </a:r>
+              <a:r>
+                <a:rPr lang="pt-PT" sz="1200" dirty="0" err="1">
+                  <a:solidFill>
+                    <a:schemeClr val="tx1"/>
+                  </a:solidFill>
+                </a:rPr>
+                <a:t>toggle</a:t>
+              </a:r>
+              <a:r>
+                <a:rPr lang="pt-PT" sz="1200" dirty="0">
+                  <a:solidFill>
+                    <a:schemeClr val="tx1"/>
+                  </a:solidFill>
+                </a:rPr>
+                <a:t> no pino OC1A.</a:t>
+              </a:r>
+            </a:p>
+            <a:p>
+              <a:pPr algn="ctr"/>
+              <a:r>
+                <a:rPr lang="pt-PT" sz="1200" dirty="0">
+                  <a:solidFill>
+                    <a:schemeClr val="tx1"/>
+                  </a:solidFill>
+                </a:rPr>
+                <a:t>Inicialização Timer0: PWM f. 61Hz com </a:t>
+              </a:r>
+              <a:r>
+                <a:rPr lang="pt-PT" sz="1200" dirty="0" err="1">
+                  <a:solidFill>
+                    <a:schemeClr val="tx1"/>
+                  </a:solidFill>
+                </a:rPr>
+                <a:t>duty</a:t>
+              </a:r>
+              <a:r>
+                <a:rPr lang="pt-PT" sz="1200" dirty="0">
+                  <a:solidFill>
+                    <a:schemeClr val="tx1"/>
+                  </a:solidFill>
+                </a:rPr>
+                <a:t> cycle variável (modo </a:t>
+              </a:r>
+              <a:r>
+                <a:rPr lang="pt-PT" sz="1200" dirty="0" err="1">
+                  <a:solidFill>
+                    <a:schemeClr val="tx1"/>
+                  </a:solidFill>
+                </a:rPr>
+                <a:t>Fast</a:t>
+              </a:r>
+              <a:r>
+                <a:rPr lang="pt-PT" sz="1200" dirty="0">
+                  <a:solidFill>
+                    <a:schemeClr val="tx1"/>
+                  </a:solidFill>
+                </a:rPr>
+                <a:t> PWM) por atualização do OCR0A.</a:t>
+              </a:r>
+            </a:p>
+            <a:p>
+              <a:pPr algn="ctr"/>
+              <a:r>
+                <a:rPr lang="pt-PT" sz="1200" dirty="0">
+                  <a:solidFill>
+                    <a:schemeClr val="tx1"/>
+                  </a:solidFill>
+                </a:rPr>
+                <a:t>Configuração ADC: Tensão </a:t>
+              </a:r>
+              <a:r>
+                <a:rPr lang="pt-PT" sz="1200" dirty="0" err="1">
+                  <a:solidFill>
+                    <a:schemeClr val="tx1"/>
+                  </a:solidFill>
+                </a:rPr>
+                <a:t>ref</a:t>
+              </a:r>
+              <a:r>
+                <a:rPr lang="pt-PT" sz="1200" dirty="0">
+                  <a:solidFill>
+                    <a:schemeClr val="tx1"/>
+                  </a:solidFill>
+                </a:rPr>
+                <a:t>. </a:t>
+              </a:r>
+              <a:r>
+                <a:rPr lang="pt-PT" sz="1200" dirty="0" err="1">
+                  <a:solidFill>
+                    <a:schemeClr val="tx1"/>
+                  </a:solidFill>
+                </a:rPr>
+                <a:t>Avcc</a:t>
+              </a:r>
+              <a:r>
+                <a:rPr lang="pt-PT" sz="1200" dirty="0">
+                  <a:solidFill>
+                    <a:schemeClr val="tx1"/>
+                  </a:solidFill>
+                </a:rPr>
+                <a:t>; Canal 0; Conversão justificada à esquerda; Inicio da conversão do ADC por TC0 </a:t>
+              </a:r>
+              <a:r>
+                <a:rPr lang="pt-PT" sz="1200" dirty="0" err="1">
+                  <a:solidFill>
+                    <a:schemeClr val="tx1"/>
+                  </a:solidFill>
+                </a:rPr>
+                <a:t>Overflow</a:t>
+              </a:r>
+              <a:r>
+                <a:rPr lang="pt-PT" sz="1200" dirty="0">
+                  <a:solidFill>
+                    <a:schemeClr val="tx1"/>
+                  </a:solidFill>
+                </a:rPr>
+                <a:t>;</a:t>
+              </a:r>
+            </a:p>
+          </p:txBody>
+        </p:sp>
+        <p:cxnSp>
+          <p:nvCxnSpPr>
+            <p:cNvPr id="14" name="Conexão reta unidirecional 13">
+              <a:extLst>
+                <a:ext uri="{FF2B5EF4-FFF2-40B4-BE49-F238E27FC236}">
+                  <a16:creationId xmlns:a16="http://schemas.microsoft.com/office/drawing/2014/main" id="{2B4AA535-D71C-4C2F-9CFF-66A777BD75A3}"/>
+                </a:ext>
+              </a:extLst>
+            </p:cNvPr>
+            <p:cNvCxnSpPr>
+              <a:cxnSpLocks/>
+            </p:cNvCxnSpPr>
+            <p:nvPr/>
+          </p:nvCxnSpPr>
+          <p:spPr>
+            <a:xfrm>
+              <a:off x="4178660" y="480632"/>
+              <a:ext cx="0" cy="216000"/>
+            </a:xfrm>
+            <a:prstGeom prst="straightConnector1">
+              <a:avLst/>
+            </a:prstGeom>
+            <a:ln>
+              <a:solidFill>
+                <a:schemeClr val="tx1"/>
+              </a:solidFill>
+              <a:tailEnd type="triangle"/>
+            </a:ln>
+          </p:spPr>
+          <p:style>
+            <a:lnRef idx="1">
+              <a:schemeClr val="accent1"/>
+            </a:lnRef>
+            <a:fillRef idx="0">
+              <a:schemeClr val="accent1"/>
+            </a:fillRef>
+            <a:effectRef idx="0">
+              <a:schemeClr val="accent1"/>
+            </a:effectRef>
+            <a:fontRef idx="minor">
+              <a:schemeClr val="tx1"/>
+            </a:fontRef>
+          </p:style>
+        </p:cxnSp>
+        <p:sp>
+          <p:nvSpPr>
+            <p:cNvPr id="26" name="Fluxograma: Decisão 25">
+              <a:extLst>
+                <a:ext uri="{FF2B5EF4-FFF2-40B4-BE49-F238E27FC236}">
+                  <a16:creationId xmlns:a16="http://schemas.microsoft.com/office/drawing/2014/main" id="{EDF80D3F-A0C2-4007-89C4-15438B28D29A}"/>
+                </a:ext>
+              </a:extLst>
+            </p:cNvPr>
+            <p:cNvSpPr/>
+            <p:nvPr/>
+          </p:nvSpPr>
+          <p:spPr>
+            <a:xfrm>
+              <a:off x="3329257" y="3754210"/>
+              <a:ext cx="1498762" cy="954314"/>
+            </a:xfrm>
+            <a:prstGeom prst="flowChartDecision">
+              <a:avLst/>
+            </a:prstGeom>
+            <a:solidFill>
+              <a:schemeClr val="bg1"/>
+            </a:solidFill>
+            <a:ln>
+              <a:solidFill>
+                <a:schemeClr val="tx1"/>
+              </a:solidFill>
+            </a:ln>
+          </p:spPr>
+          <p:style>
+            <a:lnRef idx="2">
+              <a:schemeClr val="accent1">
+                <a:shade val="50000"/>
+              </a:schemeClr>
+            </a:lnRef>
+            <a:fillRef idx="1">
+              <a:schemeClr val="accent1"/>
+            </a:fillRef>
+            <a:effectRef idx="0">
+              <a:schemeClr val="accent1"/>
+            </a:effectRef>
+            <a:fontRef idx="minor">
+              <a:schemeClr val="lt1"/>
+            </a:fontRef>
+          </p:style>
+          <p:txBody>
+            <a:bodyPr rtlCol="0" anchor="ctr"/>
+            <a:lstStyle/>
+            <a:p>
+              <a:pPr algn="ctr"/>
+              <a:r>
+                <a:rPr lang="pt-PT" sz="1200" dirty="0">
+                  <a:solidFill>
+                    <a:schemeClr val="tx1"/>
+                  </a:solidFill>
+                </a:rPr>
+                <a:t>While (1)</a:t>
+              </a:r>
+            </a:p>
+          </p:txBody>
+        </p:sp>
+        <p:cxnSp>
+          <p:nvCxnSpPr>
+            <p:cNvPr id="27" name="Conexão reta unidirecional 26">
+              <a:extLst>
+                <a:ext uri="{FF2B5EF4-FFF2-40B4-BE49-F238E27FC236}">
+                  <a16:creationId xmlns:a16="http://schemas.microsoft.com/office/drawing/2014/main" id="{35807614-6274-4F97-AF7B-A1F32091A328}"/>
+                </a:ext>
+              </a:extLst>
+            </p:cNvPr>
+            <p:cNvCxnSpPr>
+              <a:cxnSpLocks/>
+            </p:cNvCxnSpPr>
+            <p:nvPr/>
+          </p:nvCxnSpPr>
+          <p:spPr>
+            <a:xfrm flipH="1">
+              <a:off x="4078638" y="3389778"/>
+              <a:ext cx="2" cy="364432"/>
+            </a:xfrm>
+            <a:prstGeom prst="straightConnector1">
+              <a:avLst/>
+            </a:prstGeom>
+            <a:ln>
+              <a:solidFill>
+                <a:schemeClr val="tx1"/>
+              </a:solidFill>
+              <a:tailEnd type="triangle"/>
+            </a:ln>
+          </p:spPr>
+          <p:style>
+            <a:lnRef idx="1">
+              <a:schemeClr val="accent1"/>
+            </a:lnRef>
+            <a:fillRef idx="0">
+              <a:schemeClr val="accent1"/>
+            </a:fillRef>
+            <a:effectRef idx="0">
+              <a:schemeClr val="accent1"/>
+            </a:effectRef>
+            <a:fontRef idx="minor">
+              <a:schemeClr val="tx1"/>
+            </a:fontRef>
+          </p:style>
+        </p:cxnSp>
+        <p:cxnSp>
+          <p:nvCxnSpPr>
+            <p:cNvPr id="28" name="Conexão: Ângulo Reto 27">
+              <a:extLst>
+                <a:ext uri="{FF2B5EF4-FFF2-40B4-BE49-F238E27FC236}">
+                  <a16:creationId xmlns:a16="http://schemas.microsoft.com/office/drawing/2014/main" id="{C19EF9FE-3617-4853-9B1A-92DECFFB70F1}"/>
+                </a:ext>
+              </a:extLst>
+            </p:cNvPr>
+            <p:cNvCxnSpPr>
+              <a:cxnSpLocks/>
+              <a:stCxn id="26" idx="2"/>
+              <a:endCxn id="26" idx="3"/>
+            </p:cNvCxnSpPr>
+            <p:nvPr/>
+          </p:nvCxnSpPr>
+          <p:spPr>
+            <a:xfrm rot="5400000" flipH="1" flipV="1">
+              <a:off x="4214749" y="4095255"/>
+              <a:ext cx="477157" cy="749381"/>
+            </a:xfrm>
+            <a:prstGeom prst="bentConnector4">
+              <a:avLst>
+                <a:gd name="adj1" fmla="val -32699"/>
+                <a:gd name="adj2" fmla="val 157621"/>
+              </a:avLst>
+            </a:prstGeom>
+            <a:ln>
+              <a:solidFill>
+                <a:schemeClr val="tx1"/>
+              </a:solidFill>
+              <a:tailEnd type="triangle"/>
+            </a:ln>
+          </p:spPr>
+          <p:style>
+            <a:lnRef idx="1">
+              <a:schemeClr val="accent1"/>
+            </a:lnRef>
+            <a:fillRef idx="0">
+              <a:schemeClr val="accent1"/>
+            </a:fillRef>
+            <a:effectRef idx="0">
+              <a:schemeClr val="accent1"/>
+            </a:effectRef>
+            <a:fontRef idx="minor">
+              <a:schemeClr val="tx1"/>
+            </a:fontRef>
+          </p:style>
+        </p:cxnSp>
+      </p:grpSp>
+      <p:grpSp>
+        <p:nvGrpSpPr>
+          <p:cNvPr id="42" name="Agrupar 41">
+            <a:extLst>
+              <a:ext uri="{FF2B5EF4-FFF2-40B4-BE49-F238E27FC236}">
+                <a16:creationId xmlns:a16="http://schemas.microsoft.com/office/drawing/2014/main" id="{EB51AF60-540E-4266-8A5F-660DF43AF02C}"/>
+              </a:ext>
+            </a:extLst>
+          </p:cNvPr>
+          <p:cNvGrpSpPr/>
           <p:nvPr/>
-        </p:nvSpPr>
-        <p:spPr>
+        </p:nvGrpSpPr>
+        <p:grpSpPr>
           <a:xfrm>
-            <a:off x="4608843" y="4005465"/>
-            <a:ext cx="1828804" cy="1119809"/>
+            <a:off x="8803301" y="3005205"/>
+            <a:ext cx="2690010" cy="1819796"/>
+            <a:chOff x="8552326" y="3205622"/>
+            <a:chExt cx="2690010" cy="1819796"/>
           </a:xfrm>
-          <a:prstGeom prst="flowChartDecision">
-            <a:avLst/>
-          </a:prstGeom>
-        </p:spPr>
-        <p:style>
-          <a:lnRef idx="2">
-            <a:schemeClr val="accent1">
-              <a:shade val="50000"/>
-            </a:schemeClr>
-          </a:lnRef>
-          <a:fillRef idx="1">
-            <a:schemeClr val="accent1"/>
-          </a:fillRef>
-          <a:effectRef idx="0">
-            <a:schemeClr val="accent1"/>
-          </a:effectRef>
-          <a:fontRef idx="minor">
-            <a:schemeClr val="lt1"/>
-          </a:fontRef>
-        </p:style>
-        <p:txBody>
-          <a:bodyPr rtlCol="0" anchor="ctr"/>
-          <a:lstStyle/>
-          <a:p>
-            <a:pPr algn="ctr"/>
-            <a:r>
-              <a:rPr lang="pt-PT" sz="1400" dirty="0" err="1"/>
-              <a:t>While</a:t>
-            </a:r>
-            <a:r>
-              <a:rPr lang="pt-PT" sz="1400" dirty="0"/>
-              <a:t> 1</a:t>
-            </a:r>
-          </a:p>
-        </p:txBody>
-      </p:sp>
-      <p:sp>
-        <p:nvSpPr>
-          <p:cNvPr id="9" name="Fluxograma: Processo Alternativo 8">
-            <a:extLst>
-              <a:ext uri="{FF2B5EF4-FFF2-40B4-BE49-F238E27FC236}">
-                <a16:creationId xmlns:a16="http://schemas.microsoft.com/office/drawing/2014/main" id="{221A0517-AAFE-4C16-B621-55F29552BF37}"/>
-              </a:ext>
-            </a:extLst>
-          </p:cNvPr>
-          <p:cNvSpPr/>
+        </p:grpSpPr>
+        <p:sp>
+          <p:nvSpPr>
+            <p:cNvPr id="9" name="Fluxograma: Processo Alternativo 8">
+              <a:extLst>
+                <a:ext uri="{FF2B5EF4-FFF2-40B4-BE49-F238E27FC236}">
+                  <a16:creationId xmlns:a16="http://schemas.microsoft.com/office/drawing/2014/main" id="{221A0517-AAFE-4C16-B621-55F29552BF37}"/>
+                </a:ext>
+              </a:extLst>
+            </p:cNvPr>
+            <p:cNvSpPr/>
+            <p:nvPr/>
+          </p:nvSpPr>
+          <p:spPr>
+            <a:xfrm>
+              <a:off x="8552326" y="3205622"/>
+              <a:ext cx="2690010" cy="364433"/>
+            </a:xfrm>
+            <a:prstGeom prst="flowChartAlternateProcess">
+              <a:avLst/>
+            </a:prstGeom>
+            <a:solidFill>
+              <a:schemeClr val="bg1"/>
+            </a:solidFill>
+            <a:ln>
+              <a:solidFill>
+                <a:schemeClr val="tx1"/>
+              </a:solidFill>
+            </a:ln>
+          </p:spPr>
+          <p:style>
+            <a:lnRef idx="2">
+              <a:schemeClr val="accent1">
+                <a:shade val="50000"/>
+              </a:schemeClr>
+            </a:lnRef>
+            <a:fillRef idx="1">
+              <a:schemeClr val="accent1"/>
+            </a:fillRef>
+            <a:effectRef idx="0">
+              <a:schemeClr val="accent1"/>
+            </a:effectRef>
+            <a:fontRef idx="minor">
+              <a:schemeClr val="lt1"/>
+            </a:fontRef>
+          </p:style>
+          <p:txBody>
+            <a:bodyPr rtlCol="0" anchor="ctr"/>
+            <a:lstStyle/>
+            <a:p>
+              <a:pPr algn="ctr"/>
+              <a:r>
+                <a:rPr lang="en-US" sz="1200" dirty="0">
+                  <a:solidFill>
+                    <a:schemeClr val="tx1"/>
+                  </a:solidFill>
+                </a:rPr>
+                <a:t>Interrupção Timer0</a:t>
+              </a:r>
+              <a:r>
+                <a:rPr lang="pt-PT" sz="1200" dirty="0">
+                  <a:solidFill>
+                    <a:schemeClr val="tx1"/>
+                  </a:solidFill>
+                </a:rPr>
+                <a:t> </a:t>
+              </a:r>
+              <a:r>
+                <a:rPr lang="pt-PT" sz="1200" dirty="0" err="1">
+                  <a:solidFill>
+                    <a:schemeClr val="tx1"/>
+                  </a:solidFill>
+                </a:rPr>
+                <a:t>Overflow</a:t>
+              </a:r>
+              <a:endParaRPr lang="pt-PT" sz="1200" dirty="0">
+                <a:solidFill>
+                  <a:schemeClr val="tx1"/>
+                </a:solidFill>
+              </a:endParaRPr>
+            </a:p>
+          </p:txBody>
+        </p:sp>
+        <p:sp>
+          <p:nvSpPr>
+            <p:cNvPr id="11" name="Fluxograma: Processo Alternativo 10">
+              <a:extLst>
+                <a:ext uri="{FF2B5EF4-FFF2-40B4-BE49-F238E27FC236}">
+                  <a16:creationId xmlns:a16="http://schemas.microsoft.com/office/drawing/2014/main" id="{675E53A2-7C35-4A6F-98A7-4FABCC607333}"/>
+                </a:ext>
+              </a:extLst>
+            </p:cNvPr>
+            <p:cNvSpPr/>
+            <p:nvPr/>
+          </p:nvSpPr>
+          <p:spPr>
+            <a:xfrm>
+              <a:off x="8803301" y="3977710"/>
+              <a:ext cx="2188061" cy="357662"/>
+            </a:xfrm>
+            <a:prstGeom prst="flowChartAlternateProcess">
+              <a:avLst/>
+            </a:prstGeom>
+            <a:solidFill>
+              <a:schemeClr val="bg1"/>
+            </a:solidFill>
+            <a:ln>
+              <a:solidFill>
+                <a:schemeClr val="tx1"/>
+              </a:solidFill>
+            </a:ln>
+          </p:spPr>
+          <p:style>
+            <a:lnRef idx="2">
+              <a:schemeClr val="accent1">
+                <a:shade val="50000"/>
+              </a:schemeClr>
+            </a:lnRef>
+            <a:fillRef idx="1">
+              <a:schemeClr val="accent1"/>
+            </a:fillRef>
+            <a:effectRef idx="0">
+              <a:schemeClr val="accent1"/>
+            </a:effectRef>
+            <a:fontRef idx="minor">
+              <a:schemeClr val="lt1"/>
+            </a:fontRef>
+          </p:style>
+          <p:txBody>
+            <a:bodyPr rtlCol="0" anchor="ctr"/>
+            <a:lstStyle/>
+            <a:p>
+              <a:pPr algn="ctr"/>
+              <a:r>
+                <a:rPr lang="pt-PT" sz="1200" dirty="0">
+                  <a:solidFill>
+                    <a:schemeClr val="tx1"/>
+                  </a:solidFill>
+                </a:rPr>
+                <a:t>Inicia conversão ADC</a:t>
+              </a:r>
+            </a:p>
+          </p:txBody>
+        </p:sp>
+        <p:cxnSp>
+          <p:nvCxnSpPr>
+            <p:cNvPr id="17" name="Conexão reta unidirecional 16">
+              <a:extLst>
+                <a:ext uri="{FF2B5EF4-FFF2-40B4-BE49-F238E27FC236}">
+                  <a16:creationId xmlns:a16="http://schemas.microsoft.com/office/drawing/2014/main" id="{88642628-1AEC-4DA0-89EB-61E460FA0541}"/>
+                </a:ext>
+              </a:extLst>
+            </p:cNvPr>
+            <p:cNvCxnSpPr>
+              <a:cxnSpLocks/>
+            </p:cNvCxnSpPr>
+            <p:nvPr/>
+          </p:nvCxnSpPr>
+          <p:spPr>
+            <a:xfrm>
+              <a:off x="9897331" y="3570055"/>
+              <a:ext cx="0" cy="400884"/>
+            </a:xfrm>
+            <a:prstGeom prst="straightConnector1">
+              <a:avLst/>
+            </a:prstGeom>
+            <a:ln>
+              <a:solidFill>
+                <a:schemeClr val="tx1"/>
+              </a:solidFill>
+              <a:tailEnd type="triangle"/>
+            </a:ln>
+          </p:spPr>
+          <p:style>
+            <a:lnRef idx="1">
+              <a:schemeClr val="accent1"/>
+            </a:lnRef>
+            <a:fillRef idx="0">
+              <a:schemeClr val="accent1"/>
+            </a:fillRef>
+            <a:effectRef idx="0">
+              <a:schemeClr val="accent1"/>
+            </a:effectRef>
+            <a:fontRef idx="minor">
+              <a:schemeClr val="tx1"/>
+            </a:fontRef>
+          </p:style>
+        </p:cxnSp>
+        <p:sp>
+          <p:nvSpPr>
+            <p:cNvPr id="36" name="Fluxograma: Processo Alternativo 35">
+              <a:extLst>
+                <a:ext uri="{FF2B5EF4-FFF2-40B4-BE49-F238E27FC236}">
+                  <a16:creationId xmlns:a16="http://schemas.microsoft.com/office/drawing/2014/main" id="{5349D627-A27B-4B5A-B087-928474D8EBC2}"/>
+                </a:ext>
+              </a:extLst>
+            </p:cNvPr>
+            <p:cNvSpPr/>
+            <p:nvPr/>
+          </p:nvSpPr>
+          <p:spPr>
+            <a:xfrm>
+              <a:off x="9069900" y="4660985"/>
+              <a:ext cx="1654862" cy="364433"/>
+            </a:xfrm>
+            <a:prstGeom prst="flowChartAlternateProcess">
+              <a:avLst/>
+            </a:prstGeom>
+            <a:solidFill>
+              <a:schemeClr val="bg1"/>
+            </a:solidFill>
+            <a:ln>
+              <a:solidFill>
+                <a:schemeClr val="tx1"/>
+              </a:solidFill>
+            </a:ln>
+          </p:spPr>
+          <p:style>
+            <a:lnRef idx="2">
+              <a:schemeClr val="accent1">
+                <a:shade val="50000"/>
+              </a:schemeClr>
+            </a:lnRef>
+            <a:fillRef idx="1">
+              <a:schemeClr val="accent1"/>
+            </a:fillRef>
+            <a:effectRef idx="0">
+              <a:schemeClr val="accent1"/>
+            </a:effectRef>
+            <a:fontRef idx="minor">
+              <a:schemeClr val="lt1"/>
+            </a:fontRef>
+          </p:style>
+          <p:txBody>
+            <a:bodyPr rtlCol="0" anchor="ctr"/>
+            <a:lstStyle/>
+            <a:p>
+              <a:pPr algn="ctr"/>
+              <a:r>
+                <a:rPr lang="pt-PT" sz="1200" dirty="0">
+                  <a:solidFill>
+                    <a:schemeClr val="tx1"/>
+                  </a:solidFill>
+                </a:rPr>
+                <a:t>Fim</a:t>
+              </a:r>
+            </a:p>
+          </p:txBody>
+        </p:sp>
+        <p:cxnSp>
+          <p:nvCxnSpPr>
+            <p:cNvPr id="37" name="Conexão reta unidirecional 36">
+              <a:extLst>
+                <a:ext uri="{FF2B5EF4-FFF2-40B4-BE49-F238E27FC236}">
+                  <a16:creationId xmlns:a16="http://schemas.microsoft.com/office/drawing/2014/main" id="{EB02CF6D-66C9-41A0-B9BB-0E7E0BDD5003}"/>
+                </a:ext>
+              </a:extLst>
+            </p:cNvPr>
+            <p:cNvCxnSpPr>
+              <a:cxnSpLocks/>
+              <a:endCxn id="36" idx="0"/>
+            </p:cNvCxnSpPr>
+            <p:nvPr/>
+          </p:nvCxnSpPr>
+          <p:spPr>
+            <a:xfrm>
+              <a:off x="9897331" y="4335372"/>
+              <a:ext cx="0" cy="325613"/>
+            </a:xfrm>
+            <a:prstGeom prst="straightConnector1">
+              <a:avLst/>
+            </a:prstGeom>
+            <a:ln>
+              <a:solidFill>
+                <a:schemeClr val="tx1"/>
+              </a:solidFill>
+              <a:tailEnd type="triangle"/>
+            </a:ln>
+          </p:spPr>
+          <p:style>
+            <a:lnRef idx="1">
+              <a:schemeClr val="accent1"/>
+            </a:lnRef>
+            <a:fillRef idx="0">
+              <a:schemeClr val="accent1"/>
+            </a:fillRef>
+            <a:effectRef idx="0">
+              <a:schemeClr val="accent1"/>
+            </a:effectRef>
+            <a:fontRef idx="minor">
+              <a:schemeClr val="tx1"/>
+            </a:fontRef>
+          </p:style>
+        </p:cxnSp>
+      </p:grpSp>
+      <p:grpSp>
+        <p:nvGrpSpPr>
+          <p:cNvPr id="41" name="Agrupar 40">
+            <a:extLst>
+              <a:ext uri="{FF2B5EF4-FFF2-40B4-BE49-F238E27FC236}">
+                <a16:creationId xmlns:a16="http://schemas.microsoft.com/office/drawing/2014/main" id="{0C1564F0-764D-474B-93C5-219099F0F60A}"/>
+              </a:ext>
+            </a:extLst>
+          </p:cNvPr>
+          <p:cNvGrpSpPr/>
           <p:nvPr/>
-        </p:nvSpPr>
-        <p:spPr>
+        </p:nvGrpSpPr>
+        <p:grpSpPr>
           <a:xfrm>
-            <a:off x="7142922" y="3800057"/>
-            <a:ext cx="1510748" cy="589723"/>
+            <a:off x="6527005" y="4824150"/>
+            <a:ext cx="2690010" cy="1672812"/>
+            <a:chOff x="5677419" y="4699804"/>
+            <a:chExt cx="2690010" cy="1672812"/>
           </a:xfrm>
-          <a:prstGeom prst="flowChartAlternateProcess">
-            <a:avLst/>
-          </a:prstGeom>
-        </p:spPr>
-        <p:style>
-          <a:lnRef idx="2">
-            <a:schemeClr val="accent1">
-              <a:shade val="50000"/>
-            </a:schemeClr>
-          </a:lnRef>
-          <a:fillRef idx="1">
-            <a:schemeClr val="accent1"/>
-          </a:fillRef>
-          <a:effectRef idx="0">
-            <a:schemeClr val="accent1"/>
-          </a:effectRef>
-          <a:fontRef idx="minor">
-            <a:schemeClr val="lt1"/>
-          </a:fontRef>
-        </p:style>
-        <p:txBody>
-          <a:bodyPr rtlCol="0" anchor="ctr"/>
-          <a:lstStyle/>
-          <a:p>
-            <a:pPr algn="ctr"/>
-            <a:r>
-              <a:rPr lang="pt-PT" sz="1400" dirty="0"/>
-              <a:t>TC0 </a:t>
-            </a:r>
-            <a:r>
-              <a:rPr lang="pt-PT" sz="1400" dirty="0" err="1"/>
-              <a:t>Overflow</a:t>
-            </a:r>
-            <a:endParaRPr lang="pt-PT" sz="1400" dirty="0"/>
-          </a:p>
-        </p:txBody>
-      </p:sp>
-      <p:sp>
-        <p:nvSpPr>
-          <p:cNvPr id="10" name="Fluxograma: Processo Alternativo 9">
-            <a:extLst>
-              <a:ext uri="{FF2B5EF4-FFF2-40B4-BE49-F238E27FC236}">
-                <a16:creationId xmlns:a16="http://schemas.microsoft.com/office/drawing/2014/main" id="{B1DCF0ED-D7CD-4A98-8768-FB755CEDC04A}"/>
-              </a:ext>
-            </a:extLst>
-          </p:cNvPr>
-          <p:cNvSpPr/>
-          <p:nvPr/>
-        </p:nvSpPr>
-        <p:spPr>
-          <a:xfrm>
-            <a:off x="4722326" y="5728251"/>
-            <a:ext cx="1654862" cy="795131"/>
-          </a:xfrm>
-          <a:prstGeom prst="flowChartAlternateProcess">
-            <a:avLst/>
-          </a:prstGeom>
-        </p:spPr>
-        <p:style>
-          <a:lnRef idx="2">
-            <a:schemeClr val="accent1">
-              <a:shade val="50000"/>
-            </a:schemeClr>
-          </a:lnRef>
-          <a:fillRef idx="1">
-            <a:schemeClr val="accent1"/>
-          </a:fillRef>
-          <a:effectRef idx="0">
-            <a:schemeClr val="accent1"/>
-          </a:effectRef>
-          <a:fontRef idx="minor">
-            <a:schemeClr val="lt1"/>
-          </a:fontRef>
-        </p:style>
-        <p:txBody>
-          <a:bodyPr rtlCol="0" anchor="ctr"/>
-          <a:lstStyle/>
-          <a:p>
-            <a:pPr algn="ctr"/>
-            <a:r>
-              <a:rPr lang="pt-PT" sz="1400" dirty="0"/>
-              <a:t>FIM</a:t>
-            </a:r>
-          </a:p>
-        </p:txBody>
-      </p:sp>
-      <p:sp>
-        <p:nvSpPr>
-          <p:cNvPr id="11" name="Fluxograma: Processo Alternativo 10">
-            <a:extLst>
-              <a:ext uri="{FF2B5EF4-FFF2-40B4-BE49-F238E27FC236}">
-                <a16:creationId xmlns:a16="http://schemas.microsoft.com/office/drawing/2014/main" id="{675E53A2-7C35-4A6F-98A7-4FABCC607333}"/>
-              </a:ext>
-            </a:extLst>
-          </p:cNvPr>
-          <p:cNvSpPr/>
-          <p:nvPr/>
-        </p:nvSpPr>
-        <p:spPr>
-          <a:xfrm>
-            <a:off x="7142922" y="4815506"/>
-            <a:ext cx="1510748" cy="589723"/>
-          </a:xfrm>
-          <a:prstGeom prst="flowChartAlternateProcess">
-            <a:avLst/>
-          </a:prstGeom>
-        </p:spPr>
-        <p:style>
-          <a:lnRef idx="2">
-            <a:schemeClr val="accent1">
-              <a:shade val="50000"/>
-            </a:schemeClr>
-          </a:lnRef>
-          <a:fillRef idx="1">
-            <a:schemeClr val="accent1"/>
-          </a:fillRef>
-          <a:effectRef idx="0">
-            <a:schemeClr val="accent1"/>
-          </a:effectRef>
-          <a:fontRef idx="minor">
-            <a:schemeClr val="lt1"/>
-          </a:fontRef>
-        </p:style>
-        <p:txBody>
-          <a:bodyPr rtlCol="0" anchor="ctr"/>
-          <a:lstStyle/>
-          <a:p>
-            <a:pPr algn="ctr"/>
-            <a:r>
-              <a:rPr lang="pt-PT" sz="1400" dirty="0" err="1"/>
-              <a:t>Inic</a:t>
-            </a:r>
-            <a:r>
-              <a:rPr lang="pt-PT" sz="1400" dirty="0"/>
-              <a:t> ADC </a:t>
-            </a:r>
-            <a:r>
-              <a:rPr lang="pt-PT" sz="1400" dirty="0" err="1"/>
-              <a:t>Conv</a:t>
-            </a:r>
-            <a:endParaRPr lang="pt-PT" sz="1400" dirty="0"/>
-          </a:p>
-        </p:txBody>
-      </p:sp>
-      <p:sp>
-        <p:nvSpPr>
-          <p:cNvPr id="12" name="Fluxograma: Processo Alternativo 11">
-            <a:extLst>
-              <a:ext uri="{FF2B5EF4-FFF2-40B4-BE49-F238E27FC236}">
-                <a16:creationId xmlns:a16="http://schemas.microsoft.com/office/drawing/2014/main" id="{0711B195-13F3-4E54-B1E9-2D6209EA9EC4}"/>
-              </a:ext>
-            </a:extLst>
-          </p:cNvPr>
-          <p:cNvSpPr/>
-          <p:nvPr/>
-        </p:nvSpPr>
-        <p:spPr>
-          <a:xfrm>
-            <a:off x="7142922" y="5830956"/>
-            <a:ext cx="1510748" cy="589723"/>
-          </a:xfrm>
-          <a:prstGeom prst="flowChartAlternateProcess">
-            <a:avLst/>
-          </a:prstGeom>
-        </p:spPr>
-        <p:style>
-          <a:lnRef idx="2">
-            <a:schemeClr val="accent1">
-              <a:shade val="50000"/>
-            </a:schemeClr>
-          </a:lnRef>
-          <a:fillRef idx="1">
-            <a:schemeClr val="accent1"/>
-          </a:fillRef>
-          <a:effectRef idx="0">
-            <a:schemeClr val="accent1"/>
-          </a:effectRef>
-          <a:fontRef idx="minor">
-            <a:schemeClr val="lt1"/>
-          </a:fontRef>
-        </p:style>
-        <p:txBody>
-          <a:bodyPr rtlCol="0" anchor="ctr"/>
-          <a:lstStyle/>
-          <a:p>
-            <a:pPr algn="ctr"/>
-            <a:r>
-              <a:rPr lang="pt-PT" sz="1400" dirty="0"/>
-              <a:t>OCR0A = ADCH</a:t>
-            </a:r>
-          </a:p>
-        </p:txBody>
-      </p:sp>
-      <p:cxnSp>
-        <p:nvCxnSpPr>
-          <p:cNvPr id="13" name="Conexão reta unidirecional 12">
-            <a:extLst>
-              <a:ext uri="{FF2B5EF4-FFF2-40B4-BE49-F238E27FC236}">
-                <a16:creationId xmlns:a16="http://schemas.microsoft.com/office/drawing/2014/main" id="{3C0B69CA-1697-4F00-A5F3-81ACF3D354BB}"/>
-              </a:ext>
-            </a:extLst>
-          </p:cNvPr>
-          <p:cNvCxnSpPr/>
-          <p:nvPr/>
-        </p:nvCxnSpPr>
-        <p:spPr>
-          <a:xfrm flipH="1">
-            <a:off x="5526149" y="483707"/>
-            <a:ext cx="1" cy="364432"/>
-          </a:xfrm>
-          <a:prstGeom prst="straightConnector1">
-            <a:avLst/>
-          </a:prstGeom>
-          <a:ln>
-            <a:tailEnd type="triangle"/>
-          </a:ln>
-        </p:spPr>
-        <p:style>
-          <a:lnRef idx="1">
-            <a:schemeClr val="accent1"/>
-          </a:lnRef>
-          <a:fillRef idx="0">
-            <a:schemeClr val="accent1"/>
-          </a:fillRef>
-          <a:effectRef idx="0">
-            <a:schemeClr val="accent1"/>
-          </a:effectRef>
-          <a:fontRef idx="minor">
-            <a:schemeClr val="tx1"/>
-          </a:fontRef>
-        </p:style>
-      </p:cxnSp>
-      <p:cxnSp>
-        <p:nvCxnSpPr>
-          <p:cNvPr id="14" name="Conexão reta unidirecional 13">
-            <a:extLst>
-              <a:ext uri="{FF2B5EF4-FFF2-40B4-BE49-F238E27FC236}">
-                <a16:creationId xmlns:a16="http://schemas.microsoft.com/office/drawing/2014/main" id="{2B4AA535-D71C-4C2F-9CFF-66A777BD75A3}"/>
-              </a:ext>
-            </a:extLst>
-          </p:cNvPr>
-          <p:cNvCxnSpPr>
-            <a:cxnSpLocks/>
-            <a:endCxn id="8" idx="0"/>
-          </p:cNvCxnSpPr>
-          <p:nvPr/>
-        </p:nvCxnSpPr>
-        <p:spPr>
-          <a:xfrm flipH="1">
-            <a:off x="5523245" y="3140761"/>
-            <a:ext cx="2906" cy="864704"/>
-          </a:xfrm>
-          <a:prstGeom prst="straightConnector1">
-            <a:avLst/>
-          </a:prstGeom>
-          <a:ln>
-            <a:tailEnd type="triangle"/>
-          </a:ln>
-        </p:spPr>
-        <p:style>
-          <a:lnRef idx="1">
-            <a:schemeClr val="accent1"/>
-          </a:lnRef>
-          <a:fillRef idx="0">
-            <a:schemeClr val="accent1"/>
-          </a:fillRef>
-          <a:effectRef idx="0">
-            <a:schemeClr val="accent1"/>
-          </a:effectRef>
-          <a:fontRef idx="minor">
-            <a:schemeClr val="tx1"/>
-          </a:fontRef>
-        </p:style>
-      </p:cxnSp>
-      <p:cxnSp>
-        <p:nvCxnSpPr>
-          <p:cNvPr id="15" name="Conexão reta unidirecional 14">
-            <a:extLst>
-              <a:ext uri="{FF2B5EF4-FFF2-40B4-BE49-F238E27FC236}">
-                <a16:creationId xmlns:a16="http://schemas.microsoft.com/office/drawing/2014/main" id="{4280C721-F1B8-4DBF-A911-650EB7021EFB}"/>
-              </a:ext>
-            </a:extLst>
-          </p:cNvPr>
-          <p:cNvCxnSpPr>
-            <a:cxnSpLocks/>
-            <a:stCxn id="7" idx="2"/>
-            <a:endCxn id="9" idx="1"/>
-          </p:cNvCxnSpPr>
-          <p:nvPr/>
-        </p:nvCxnSpPr>
-        <p:spPr>
-          <a:xfrm>
-            <a:off x="5526149" y="3193773"/>
-            <a:ext cx="1616773" cy="901146"/>
-          </a:xfrm>
-          <a:prstGeom prst="straightConnector1">
-            <a:avLst/>
-          </a:prstGeom>
-          <a:ln>
-            <a:tailEnd type="triangle"/>
-          </a:ln>
-        </p:spPr>
-        <p:style>
-          <a:lnRef idx="1">
-            <a:schemeClr val="accent1"/>
-          </a:lnRef>
-          <a:fillRef idx="0">
-            <a:schemeClr val="accent1"/>
-          </a:fillRef>
-          <a:effectRef idx="0">
-            <a:schemeClr val="accent1"/>
-          </a:effectRef>
-          <a:fontRef idx="minor">
-            <a:schemeClr val="tx1"/>
-          </a:fontRef>
-        </p:style>
-      </p:cxnSp>
-      <p:cxnSp>
-        <p:nvCxnSpPr>
-          <p:cNvPr id="16" name="Conexão reta unidirecional 15">
-            <a:extLst>
-              <a:ext uri="{FF2B5EF4-FFF2-40B4-BE49-F238E27FC236}">
-                <a16:creationId xmlns:a16="http://schemas.microsoft.com/office/drawing/2014/main" id="{D2F3C1EF-E77A-4242-833F-F371DF8EB9D0}"/>
-              </a:ext>
-            </a:extLst>
-          </p:cNvPr>
-          <p:cNvCxnSpPr>
-            <a:cxnSpLocks/>
-          </p:cNvCxnSpPr>
-          <p:nvPr/>
-        </p:nvCxnSpPr>
-        <p:spPr>
-          <a:xfrm flipH="1">
-            <a:off x="5513727" y="4654824"/>
-            <a:ext cx="9518" cy="1073427"/>
-          </a:xfrm>
-          <a:prstGeom prst="straightConnector1">
-            <a:avLst/>
-          </a:prstGeom>
-          <a:ln>
-            <a:tailEnd type="triangle"/>
-          </a:ln>
-        </p:spPr>
-        <p:style>
-          <a:lnRef idx="1">
-            <a:schemeClr val="accent1"/>
-          </a:lnRef>
-          <a:fillRef idx="0">
-            <a:schemeClr val="accent1"/>
-          </a:fillRef>
-          <a:effectRef idx="0">
-            <a:schemeClr val="accent1"/>
-          </a:effectRef>
-          <a:fontRef idx="minor">
-            <a:schemeClr val="tx1"/>
-          </a:fontRef>
-        </p:style>
-      </p:cxnSp>
-      <p:cxnSp>
-        <p:nvCxnSpPr>
-          <p:cNvPr id="17" name="Conexão reta unidirecional 16">
-            <a:extLst>
-              <a:ext uri="{FF2B5EF4-FFF2-40B4-BE49-F238E27FC236}">
-                <a16:creationId xmlns:a16="http://schemas.microsoft.com/office/drawing/2014/main" id="{88642628-1AEC-4DA0-89EB-61E460FA0541}"/>
-              </a:ext>
-            </a:extLst>
-          </p:cNvPr>
-          <p:cNvCxnSpPr>
-            <a:cxnSpLocks/>
-            <a:stCxn id="9" idx="2"/>
-          </p:cNvCxnSpPr>
-          <p:nvPr/>
-        </p:nvCxnSpPr>
-        <p:spPr>
-          <a:xfrm>
-            <a:off x="7898296" y="4389780"/>
-            <a:ext cx="0" cy="447260"/>
-          </a:xfrm>
-          <a:prstGeom prst="straightConnector1">
-            <a:avLst/>
-          </a:prstGeom>
-          <a:ln>
-            <a:tailEnd type="triangle"/>
-          </a:ln>
-        </p:spPr>
-        <p:style>
-          <a:lnRef idx="1">
-            <a:schemeClr val="accent1"/>
-          </a:lnRef>
-          <a:fillRef idx="0">
-            <a:schemeClr val="accent1"/>
-          </a:fillRef>
-          <a:effectRef idx="0">
-            <a:schemeClr val="accent1"/>
-          </a:effectRef>
-          <a:fontRef idx="minor">
-            <a:schemeClr val="tx1"/>
-          </a:fontRef>
-        </p:style>
-      </p:cxnSp>
-      <p:cxnSp>
-        <p:nvCxnSpPr>
-          <p:cNvPr id="19" name="Conexão reta unidirecional 18">
-            <a:extLst>
-              <a:ext uri="{FF2B5EF4-FFF2-40B4-BE49-F238E27FC236}">
-                <a16:creationId xmlns:a16="http://schemas.microsoft.com/office/drawing/2014/main" id="{C81C3086-29E1-43A6-93EC-BEDDAAD53EDF}"/>
-              </a:ext>
-            </a:extLst>
-          </p:cNvPr>
-          <p:cNvCxnSpPr>
-            <a:cxnSpLocks/>
-          </p:cNvCxnSpPr>
-          <p:nvPr/>
-        </p:nvCxnSpPr>
-        <p:spPr>
-          <a:xfrm>
-            <a:off x="7898296" y="5380387"/>
-            <a:ext cx="0" cy="450569"/>
-          </a:xfrm>
-          <a:prstGeom prst="straightConnector1">
-            <a:avLst/>
-          </a:prstGeom>
-          <a:ln>
-            <a:tailEnd type="triangle"/>
-          </a:ln>
-        </p:spPr>
-        <p:style>
-          <a:lnRef idx="1">
-            <a:schemeClr val="accent1"/>
-          </a:lnRef>
-          <a:fillRef idx="0">
-            <a:schemeClr val="accent1"/>
-          </a:fillRef>
-          <a:effectRef idx="0">
-            <a:schemeClr val="accent1"/>
-          </a:effectRef>
-          <a:fontRef idx="minor">
-            <a:schemeClr val="tx1"/>
-          </a:fontRef>
-        </p:style>
-      </p:cxnSp>
+        </p:grpSpPr>
+        <p:sp>
+          <p:nvSpPr>
+            <p:cNvPr id="12" name="Fluxograma: Processo Alternativo 11">
+              <a:extLst>
+                <a:ext uri="{FF2B5EF4-FFF2-40B4-BE49-F238E27FC236}">
+                  <a16:creationId xmlns:a16="http://schemas.microsoft.com/office/drawing/2014/main" id="{0711B195-13F3-4E54-B1E9-2D6209EA9EC4}"/>
+                </a:ext>
+              </a:extLst>
+            </p:cNvPr>
+            <p:cNvSpPr/>
+            <p:nvPr/>
+          </p:nvSpPr>
+          <p:spPr>
+            <a:xfrm>
+              <a:off x="6311001" y="5409260"/>
+              <a:ext cx="1510748" cy="357662"/>
+            </a:xfrm>
+            <a:prstGeom prst="flowChartAlternateProcess">
+              <a:avLst/>
+            </a:prstGeom>
+            <a:solidFill>
+              <a:schemeClr val="bg1"/>
+            </a:solidFill>
+            <a:ln>
+              <a:solidFill>
+                <a:schemeClr val="tx1"/>
+              </a:solidFill>
+            </a:ln>
+          </p:spPr>
+          <p:style>
+            <a:lnRef idx="2">
+              <a:schemeClr val="accent1">
+                <a:shade val="50000"/>
+              </a:schemeClr>
+            </a:lnRef>
+            <a:fillRef idx="1">
+              <a:schemeClr val="accent1"/>
+            </a:fillRef>
+            <a:effectRef idx="0">
+              <a:schemeClr val="accent1"/>
+            </a:effectRef>
+            <a:fontRef idx="minor">
+              <a:schemeClr val="lt1"/>
+            </a:fontRef>
+          </p:style>
+          <p:txBody>
+            <a:bodyPr rtlCol="0" anchor="ctr"/>
+            <a:lstStyle/>
+            <a:p>
+              <a:pPr algn="ctr"/>
+              <a:r>
+                <a:rPr lang="pt-PT" sz="1200" dirty="0">
+                  <a:solidFill>
+                    <a:schemeClr val="tx1"/>
+                  </a:solidFill>
+                </a:rPr>
+                <a:t>OCR0A = ADCH</a:t>
+              </a:r>
+            </a:p>
+          </p:txBody>
+        </p:sp>
+        <p:sp>
+          <p:nvSpPr>
+            <p:cNvPr id="30" name="Fluxograma: Processo Alternativo 29">
+              <a:extLst>
+                <a:ext uri="{FF2B5EF4-FFF2-40B4-BE49-F238E27FC236}">
+                  <a16:creationId xmlns:a16="http://schemas.microsoft.com/office/drawing/2014/main" id="{CD442386-DD03-4EFB-8A63-E84C5F8CF418}"/>
+                </a:ext>
+              </a:extLst>
+            </p:cNvPr>
+            <p:cNvSpPr/>
+            <p:nvPr/>
+          </p:nvSpPr>
+          <p:spPr>
+            <a:xfrm>
+              <a:off x="6238944" y="6008183"/>
+              <a:ext cx="1654862" cy="364433"/>
+            </a:xfrm>
+            <a:prstGeom prst="flowChartAlternateProcess">
+              <a:avLst/>
+            </a:prstGeom>
+            <a:solidFill>
+              <a:schemeClr val="bg1"/>
+            </a:solidFill>
+            <a:ln>
+              <a:solidFill>
+                <a:schemeClr val="tx1"/>
+              </a:solidFill>
+            </a:ln>
+          </p:spPr>
+          <p:style>
+            <a:lnRef idx="2">
+              <a:schemeClr val="accent1">
+                <a:shade val="50000"/>
+              </a:schemeClr>
+            </a:lnRef>
+            <a:fillRef idx="1">
+              <a:schemeClr val="accent1"/>
+            </a:fillRef>
+            <a:effectRef idx="0">
+              <a:schemeClr val="accent1"/>
+            </a:effectRef>
+            <a:fontRef idx="minor">
+              <a:schemeClr val="lt1"/>
+            </a:fontRef>
+          </p:style>
+          <p:txBody>
+            <a:bodyPr rtlCol="0" anchor="ctr"/>
+            <a:lstStyle/>
+            <a:p>
+              <a:pPr algn="ctr"/>
+              <a:r>
+                <a:rPr lang="pt-PT" sz="1200" dirty="0">
+                  <a:solidFill>
+                    <a:schemeClr val="tx1"/>
+                  </a:solidFill>
+                </a:rPr>
+                <a:t>Fim</a:t>
+              </a:r>
+            </a:p>
+          </p:txBody>
+        </p:sp>
+        <p:cxnSp>
+          <p:nvCxnSpPr>
+            <p:cNvPr id="31" name="Conexão reta unidirecional 30">
+              <a:extLst>
+                <a:ext uri="{FF2B5EF4-FFF2-40B4-BE49-F238E27FC236}">
+                  <a16:creationId xmlns:a16="http://schemas.microsoft.com/office/drawing/2014/main" id="{79EFF447-18A0-41F5-98CA-89CF6214F6F2}"/>
+                </a:ext>
+              </a:extLst>
+            </p:cNvPr>
+            <p:cNvCxnSpPr>
+              <a:cxnSpLocks/>
+            </p:cNvCxnSpPr>
+            <p:nvPr/>
+          </p:nvCxnSpPr>
+          <p:spPr>
+            <a:xfrm>
+              <a:off x="7066375" y="5766921"/>
+              <a:ext cx="0" cy="241262"/>
+            </a:xfrm>
+            <a:prstGeom prst="straightConnector1">
+              <a:avLst/>
+            </a:prstGeom>
+            <a:ln>
+              <a:solidFill>
+                <a:schemeClr val="tx1"/>
+              </a:solidFill>
+              <a:tailEnd type="triangle"/>
+            </a:ln>
+          </p:spPr>
+          <p:style>
+            <a:lnRef idx="1">
+              <a:schemeClr val="accent1"/>
+            </a:lnRef>
+            <a:fillRef idx="0">
+              <a:schemeClr val="accent1"/>
+            </a:fillRef>
+            <a:effectRef idx="0">
+              <a:schemeClr val="accent1"/>
+            </a:effectRef>
+            <a:fontRef idx="minor">
+              <a:schemeClr val="tx1"/>
+            </a:fontRef>
+          </p:style>
+        </p:cxnSp>
+        <p:sp>
+          <p:nvSpPr>
+            <p:cNvPr id="39" name="Fluxograma: Processo Alternativo 38">
+              <a:extLst>
+                <a:ext uri="{FF2B5EF4-FFF2-40B4-BE49-F238E27FC236}">
+                  <a16:creationId xmlns:a16="http://schemas.microsoft.com/office/drawing/2014/main" id="{03938525-3596-440B-8A76-4E0BAEF650C7}"/>
+                </a:ext>
+              </a:extLst>
+            </p:cNvPr>
+            <p:cNvSpPr/>
+            <p:nvPr/>
+          </p:nvSpPr>
+          <p:spPr>
+            <a:xfrm>
+              <a:off x="5677419" y="4699804"/>
+              <a:ext cx="2690010" cy="364433"/>
+            </a:xfrm>
+            <a:prstGeom prst="flowChartAlternateProcess">
+              <a:avLst/>
+            </a:prstGeom>
+            <a:solidFill>
+              <a:schemeClr val="bg1"/>
+            </a:solidFill>
+            <a:ln>
+              <a:solidFill>
+                <a:schemeClr val="tx1"/>
+              </a:solidFill>
+            </a:ln>
+          </p:spPr>
+          <p:style>
+            <a:lnRef idx="2">
+              <a:schemeClr val="accent1">
+                <a:shade val="50000"/>
+              </a:schemeClr>
+            </a:lnRef>
+            <a:fillRef idx="1">
+              <a:schemeClr val="accent1"/>
+            </a:fillRef>
+            <a:effectRef idx="0">
+              <a:schemeClr val="accent1"/>
+            </a:effectRef>
+            <a:fontRef idx="minor">
+              <a:schemeClr val="lt1"/>
+            </a:fontRef>
+          </p:style>
+          <p:txBody>
+            <a:bodyPr rtlCol="0" anchor="ctr"/>
+            <a:lstStyle/>
+            <a:p>
+              <a:pPr algn="ctr"/>
+              <a:r>
+                <a:rPr lang="en-US" sz="1200" dirty="0">
+                  <a:solidFill>
+                    <a:schemeClr val="tx1"/>
+                  </a:solidFill>
+                </a:rPr>
+                <a:t>Interrupção ADC</a:t>
+              </a:r>
+              <a:endParaRPr lang="pt-PT" sz="1200" dirty="0">
+                <a:solidFill>
+                  <a:schemeClr val="tx1"/>
+                </a:solidFill>
+              </a:endParaRPr>
+            </a:p>
+          </p:txBody>
+        </p:sp>
+        <p:cxnSp>
+          <p:nvCxnSpPr>
+            <p:cNvPr id="40" name="Conexão reta unidirecional 39">
+              <a:extLst>
+                <a:ext uri="{FF2B5EF4-FFF2-40B4-BE49-F238E27FC236}">
+                  <a16:creationId xmlns:a16="http://schemas.microsoft.com/office/drawing/2014/main" id="{D8F788D8-A5A6-4231-91C4-6B2536C4910B}"/>
+                </a:ext>
+              </a:extLst>
+            </p:cNvPr>
+            <p:cNvCxnSpPr>
+              <a:cxnSpLocks/>
+            </p:cNvCxnSpPr>
+            <p:nvPr/>
+          </p:nvCxnSpPr>
+          <p:spPr>
+            <a:xfrm>
+              <a:off x="7020128" y="5092239"/>
+              <a:ext cx="0" cy="325613"/>
+            </a:xfrm>
+            <a:prstGeom prst="straightConnector1">
+              <a:avLst/>
+            </a:prstGeom>
+            <a:ln>
+              <a:solidFill>
+                <a:schemeClr val="tx1"/>
+              </a:solidFill>
+              <a:tailEnd type="triangle"/>
+            </a:ln>
+          </p:spPr>
+          <p:style>
+            <a:lnRef idx="1">
+              <a:schemeClr val="accent1"/>
+            </a:lnRef>
+            <a:fillRef idx="0">
+              <a:schemeClr val="accent1"/>
+            </a:fillRef>
+            <a:effectRef idx="0">
+              <a:schemeClr val="accent1"/>
+            </a:effectRef>
+            <a:fontRef idx="minor">
+              <a:schemeClr val="tx1"/>
+            </a:fontRef>
+          </p:style>
+        </p:cxnSp>
+      </p:grpSp>
     </p:spTree>
     <p:extLst>
       <p:ext uri="{BB962C8B-B14F-4D97-AF65-F5344CB8AC3E}">
